--- a/Problema de caminos con trancones.pptx
+++ b/Problema de caminos con trancones.pptx
@@ -8,6 +8,8 @@
     <p:sldId id="256" r:id="rId2"/>
     <p:sldId id="257" r:id="rId3"/>
     <p:sldId id="258" r:id="rId4"/>
+    <p:sldId id="259" r:id="rId5"/>
+    <p:sldId id="260" r:id="rId6"/>
   </p:sldIdLst>
   <p:sldSz cx="12192000" cy="6858000"/>
   <p:notesSz cx="6858000" cy="9144000"/>
@@ -106,6 +108,11 @@
       </a:defRPr>
     </a:lvl9pPr>
   </p:defaultTextStyle>
+  <p:extLst>
+    <p:ext uri="{EFAFB233-063F-42B5-8137-9DF3F51BA10A}">
+      <p15:sldGuideLst xmlns:p15="http://schemas.microsoft.com/office/powerpoint/2012/main"/>
+    </p:ext>
+  </p:extLst>
 </p:presentation>
 </file>
 
@@ -298,7 +305,7 @@
             <a:fld id="{B61BEF0D-F0BB-DE4B-95CE-6DB70DBA9567}" type="datetimeFigureOut">
               <a:rPr lang="en-US" dirty="0"/>
               <a:pPr/>
-              <a:t>9/8/2018</a:t>
+              <a:t>9/9/2018</a:t>
             </a:fld>
             <a:endParaRPr lang="en-US" dirty="0"/>
           </a:p>
@@ -633,7 +640,7 @@
             <a:fld id="{B61BEF0D-F0BB-DE4B-95CE-6DB70DBA9567}" type="datetimeFigureOut">
               <a:rPr lang="en-US" dirty="0"/>
               <a:pPr/>
-              <a:t>9/8/2018</a:t>
+              <a:t>9/9/2018</a:t>
             </a:fld>
             <a:endParaRPr lang="en-US" dirty="0"/>
           </a:p>
@@ -1031,7 +1038,7 @@
             <a:fld id="{B61BEF0D-F0BB-DE4B-95CE-6DB70DBA9567}" type="datetimeFigureOut">
               <a:rPr lang="en-US" dirty="0"/>
               <a:pPr/>
-              <a:t>9/8/2018</a:t>
+              <a:t>9/9/2018</a:t>
             </a:fld>
             <a:endParaRPr lang="en-US" dirty="0"/>
           </a:p>
@@ -1364,7 +1371,7 @@
             <a:fld id="{B61BEF0D-F0BB-DE4B-95CE-6DB70DBA9567}" type="datetimeFigureOut">
               <a:rPr lang="en-US" dirty="0"/>
               <a:pPr/>
-              <a:t>9/8/2018</a:t>
+              <a:t>9/9/2018</a:t>
             </a:fld>
             <a:endParaRPr lang="en-US" dirty="0"/>
           </a:p>
@@ -1681,7 +1688,7 @@
             <a:fld id="{B61BEF0D-F0BB-DE4B-95CE-6DB70DBA9567}" type="datetimeFigureOut">
               <a:rPr lang="en-US" dirty="0"/>
               <a:pPr/>
-              <a:t>9/8/2018</a:t>
+              <a:t>9/9/2018</a:t>
             </a:fld>
             <a:endParaRPr lang="en-US" dirty="0"/>
           </a:p>
@@ -2074,7 +2081,7 @@
             <a:fld id="{B61BEF0D-F0BB-DE4B-95CE-6DB70DBA9567}" type="datetimeFigureOut">
               <a:rPr lang="en-US" dirty="0"/>
               <a:pPr/>
-              <a:t>9/8/2018</a:t>
+              <a:t>9/9/2018</a:t>
             </a:fld>
             <a:endParaRPr lang="en-US" dirty="0"/>
           </a:p>
@@ -2328,7 +2335,7 @@
             <a:fld id="{B61BEF0D-F0BB-DE4B-95CE-6DB70DBA9567}" type="datetimeFigureOut">
               <a:rPr lang="en-US" dirty="0"/>
               <a:pPr/>
-              <a:t>9/8/2018</a:t>
+              <a:t>9/9/2018</a:t>
             </a:fld>
             <a:endParaRPr lang="en-US" dirty="0"/>
           </a:p>
@@ -2587,7 +2594,7 @@
             <a:fld id="{B61BEF0D-F0BB-DE4B-95CE-6DB70DBA9567}" type="datetimeFigureOut">
               <a:rPr lang="en-US" dirty="0"/>
               <a:pPr/>
-              <a:t>9/8/2018</a:t>
+              <a:t>9/9/2018</a:t>
             </a:fld>
             <a:endParaRPr lang="en-US" dirty="0"/>
           </a:p>
@@ -2846,7 +2853,7 @@
             <a:fld id="{B61BEF0D-F0BB-DE4B-95CE-6DB70DBA9567}" type="datetimeFigureOut">
               <a:rPr lang="en-US" dirty="0"/>
               <a:pPr/>
-              <a:t>9/8/2018</a:t>
+              <a:t>9/9/2018</a:t>
             </a:fld>
             <a:endParaRPr lang="en-US" dirty="0"/>
           </a:p>
@@ -3172,7 +3179,7 @@
             <a:fld id="{B61BEF0D-F0BB-DE4B-95CE-6DB70DBA9567}" type="datetimeFigureOut">
               <a:rPr lang="en-US" dirty="0"/>
               <a:pPr/>
-              <a:t>9/8/2018</a:t>
+              <a:t>9/9/2018</a:t>
             </a:fld>
             <a:endParaRPr lang="en-US" dirty="0"/>
           </a:p>
@@ -3492,7 +3499,7 @@
             <a:fld id="{B61BEF0D-F0BB-DE4B-95CE-6DB70DBA9567}" type="datetimeFigureOut">
               <a:rPr lang="en-US" dirty="0"/>
               <a:pPr/>
-              <a:t>9/8/2018</a:t>
+              <a:t>9/9/2018</a:t>
             </a:fld>
             <a:endParaRPr lang="en-US" dirty="0"/>
           </a:p>
@@ -3946,7 +3953,7 @@
             <a:fld id="{B61BEF0D-F0BB-DE4B-95CE-6DB70DBA9567}" type="datetimeFigureOut">
               <a:rPr lang="en-US" dirty="0"/>
               <a:pPr/>
-              <a:t>9/8/2018</a:t>
+              <a:t>9/9/2018</a:t>
             </a:fld>
             <a:endParaRPr lang="en-US" dirty="0"/>
           </a:p>
@@ -4148,7 +4155,7 @@
             <a:fld id="{B61BEF0D-F0BB-DE4B-95CE-6DB70DBA9567}" type="datetimeFigureOut">
               <a:rPr lang="en-US" dirty="0"/>
               <a:pPr/>
-              <a:t>9/8/2018</a:t>
+              <a:t>9/9/2018</a:t>
             </a:fld>
             <a:endParaRPr lang="en-US" dirty="0"/>
           </a:p>
@@ -4322,7 +4329,7 @@
             <a:fld id="{B61BEF0D-F0BB-DE4B-95CE-6DB70DBA9567}" type="datetimeFigureOut">
               <a:rPr lang="en-US" dirty="0"/>
               <a:pPr/>
-              <a:t>9/8/2018</a:t>
+              <a:t>9/9/2018</a:t>
             </a:fld>
             <a:endParaRPr lang="en-US" dirty="0"/>
           </a:p>
@@ -4652,7 +4659,7 @@
             <a:fld id="{B61BEF0D-F0BB-DE4B-95CE-6DB70DBA9567}" type="datetimeFigureOut">
               <a:rPr lang="en-US" dirty="0"/>
               <a:pPr/>
-              <a:t>9/8/2018</a:t>
+              <a:t>9/9/2018</a:t>
             </a:fld>
             <a:endParaRPr lang="en-US" dirty="0"/>
           </a:p>
@@ -4994,7 +5001,7 @@
             <a:fld id="{B61BEF0D-F0BB-DE4B-95CE-6DB70DBA9567}" type="datetimeFigureOut">
               <a:rPr lang="en-US" dirty="0"/>
               <a:pPr/>
-              <a:t>9/8/2018</a:t>
+              <a:t>9/9/2018</a:t>
             </a:fld>
             <a:endParaRPr lang="en-US" dirty="0"/>
           </a:p>
@@ -7108,7 +7115,7 @@
             <a:fld id="{B61BEF0D-F0BB-DE4B-95CE-6DB70DBA9567}" type="datetimeFigureOut">
               <a:rPr lang="en-US" dirty="0"/>
               <a:pPr/>
-              <a:t>9/8/2018</a:t>
+              <a:t>9/9/2018</a:t>
             </a:fld>
             <a:endParaRPr lang="en-US" dirty="0"/>
           </a:p>
@@ -9460,7 +9467,7 @@
             </a:r>
             <a:r>
               <a:rPr lang="es-CO" b="1" dirty="0"/>
-              <a:t>¿ existe algún camino por el cual la persona pueda moverse de un punto u a un punto v ?</a:t>
+              <a:t>¿Existe algún camino por el cual la persona pueda moverse de un punto u a un punto v?</a:t>
             </a:r>
           </a:p>
         </p:txBody>
@@ -10441,6 +10448,2342 @@
     <p:extLst>
       <p:ext uri="{BB962C8B-B14F-4D97-AF65-F5344CB8AC3E}">
         <p14:creationId xmlns:p14="http://schemas.microsoft.com/office/powerpoint/2010/main" val="654922966"/>
+      </p:ext>
+    </p:extLst>
+  </p:cSld>
+  <p:clrMapOvr>
+    <a:masterClrMapping/>
+  </p:clrMapOvr>
+</p:sld>
+</file>
+
+<file path=ppt/slides/slide4.xml><?xml version="1.0" encoding="utf-8"?>
+<p:sld xmlns:a="http://schemas.openxmlformats.org/drawingml/2006/main" xmlns:r="http://schemas.openxmlformats.org/officeDocument/2006/relationships" xmlns:p="http://schemas.openxmlformats.org/presentationml/2006/main">
+  <p:cSld>
+    <p:spTree>
+      <p:nvGrpSpPr>
+        <p:cNvPr id="1" name=""/>
+        <p:cNvGrpSpPr/>
+        <p:nvPr/>
+      </p:nvGrpSpPr>
+      <p:grpSpPr>
+        <a:xfrm>
+          <a:off x="0" y="0"/>
+          <a:ext cx="0" cy="0"/>
+          <a:chOff x="0" y="0"/>
+          <a:chExt cx="0" cy="0"/>
+        </a:xfrm>
+      </p:grpSpPr>
+      <p:grpSp>
+        <p:nvGrpSpPr>
+          <p:cNvPr id="5" name="Grupo 4">
+            <a:extLst>
+              <a:ext uri="{FF2B5EF4-FFF2-40B4-BE49-F238E27FC236}">
+                <a16:creationId xmlns:a16="http://schemas.microsoft.com/office/drawing/2014/main" id="{394DDF05-E454-4F11-AB50-E1A41C3C8F68}"/>
+              </a:ext>
+            </a:extLst>
+          </p:cNvPr>
+          <p:cNvGrpSpPr/>
+          <p:nvPr/>
+        </p:nvGrpSpPr>
+        <p:grpSpPr>
+          <a:xfrm>
+            <a:off x="7579693" y="1325217"/>
+            <a:ext cx="3611220" cy="1610139"/>
+            <a:chOff x="8024193" y="1325217"/>
+            <a:chExt cx="3611220" cy="1610139"/>
+          </a:xfrm>
+        </p:grpSpPr>
+        <p:sp>
+          <p:nvSpPr>
+            <p:cNvPr id="43" name="Elipse 42">
+              <a:extLst>
+                <a:ext uri="{FF2B5EF4-FFF2-40B4-BE49-F238E27FC236}">
+                  <a16:creationId xmlns:a16="http://schemas.microsoft.com/office/drawing/2014/main" id="{AC0B517B-CEEF-4B41-8361-D865B28FFE9D}"/>
+                </a:ext>
+              </a:extLst>
+            </p:cNvPr>
+            <p:cNvSpPr/>
+            <p:nvPr/>
+          </p:nvSpPr>
+          <p:spPr>
+            <a:xfrm>
+              <a:off x="9634330" y="1325217"/>
+              <a:ext cx="490331" cy="463826"/>
+            </a:xfrm>
+            <a:prstGeom prst="ellipse">
+              <a:avLst/>
+            </a:prstGeom>
+            <a:noFill/>
+          </p:spPr>
+          <p:style>
+            <a:lnRef idx="2">
+              <a:schemeClr val="accent1">
+                <a:shade val="50000"/>
+              </a:schemeClr>
+            </a:lnRef>
+            <a:fillRef idx="1">
+              <a:schemeClr val="accent1"/>
+            </a:fillRef>
+            <a:effectRef idx="0">
+              <a:schemeClr val="accent1"/>
+            </a:effectRef>
+            <a:fontRef idx="minor">
+              <a:schemeClr val="lt1"/>
+            </a:fontRef>
+          </p:style>
+          <p:txBody>
+            <a:bodyPr rtlCol="0" anchor="ctr"/>
+            <a:lstStyle/>
+            <a:p>
+              <a:pPr algn="ctr"/>
+              <a:endParaRPr lang="es-CO"/>
+            </a:p>
+          </p:txBody>
+        </p:sp>
+        <p:cxnSp>
+          <p:nvCxnSpPr>
+            <p:cNvPr id="44" name="Conector recto 43">
+              <a:extLst>
+                <a:ext uri="{FF2B5EF4-FFF2-40B4-BE49-F238E27FC236}">
+                  <a16:creationId xmlns:a16="http://schemas.microsoft.com/office/drawing/2014/main" id="{4C31321C-939B-4CC5-BE5A-E5FF1ABB32F9}"/>
+                </a:ext>
+              </a:extLst>
+            </p:cNvPr>
+            <p:cNvCxnSpPr>
+              <a:stCxn id="43" idx="3"/>
+            </p:cNvCxnSpPr>
+            <p:nvPr/>
+          </p:nvCxnSpPr>
+          <p:spPr>
+            <a:xfrm flipH="1">
+              <a:off x="8256104" y="1721117"/>
+              <a:ext cx="1450033" cy="743787"/>
+            </a:xfrm>
+            <a:prstGeom prst="line">
+              <a:avLst/>
+            </a:prstGeom>
+          </p:spPr>
+          <p:style>
+            <a:lnRef idx="1">
+              <a:schemeClr val="accent1"/>
+            </a:lnRef>
+            <a:fillRef idx="0">
+              <a:schemeClr val="accent1"/>
+            </a:fillRef>
+            <a:effectRef idx="0">
+              <a:schemeClr val="accent1"/>
+            </a:effectRef>
+            <a:fontRef idx="minor">
+              <a:schemeClr val="tx1"/>
+            </a:fontRef>
+          </p:style>
+        </p:cxnSp>
+        <p:sp>
+          <p:nvSpPr>
+            <p:cNvPr id="46" name="Elipse 45">
+              <a:extLst>
+                <a:ext uri="{FF2B5EF4-FFF2-40B4-BE49-F238E27FC236}">
+                  <a16:creationId xmlns:a16="http://schemas.microsoft.com/office/drawing/2014/main" id="{347FC539-ED4A-4AD8-AE35-D0E111D6F9E8}"/>
+                </a:ext>
+              </a:extLst>
+            </p:cNvPr>
+            <p:cNvSpPr/>
+            <p:nvPr/>
+          </p:nvSpPr>
+          <p:spPr>
+            <a:xfrm>
+              <a:off x="8024193" y="2471530"/>
+              <a:ext cx="490331" cy="463826"/>
+            </a:xfrm>
+            <a:prstGeom prst="ellipse">
+              <a:avLst/>
+            </a:prstGeom>
+            <a:noFill/>
+          </p:spPr>
+          <p:style>
+            <a:lnRef idx="2">
+              <a:schemeClr val="accent1">
+                <a:shade val="50000"/>
+              </a:schemeClr>
+            </a:lnRef>
+            <a:fillRef idx="1">
+              <a:schemeClr val="accent1"/>
+            </a:fillRef>
+            <a:effectRef idx="0">
+              <a:schemeClr val="accent1"/>
+            </a:effectRef>
+            <a:fontRef idx="minor">
+              <a:schemeClr val="lt1"/>
+            </a:fontRef>
+          </p:style>
+          <p:txBody>
+            <a:bodyPr rtlCol="0" anchor="ctr"/>
+            <a:lstStyle/>
+            <a:p>
+              <a:pPr algn="ctr"/>
+              <a:endParaRPr lang="es-CO"/>
+            </a:p>
+          </p:txBody>
+        </p:sp>
+        <p:sp>
+          <p:nvSpPr>
+            <p:cNvPr id="47" name="Elipse 46">
+              <a:extLst>
+                <a:ext uri="{FF2B5EF4-FFF2-40B4-BE49-F238E27FC236}">
+                  <a16:creationId xmlns:a16="http://schemas.microsoft.com/office/drawing/2014/main" id="{75C578D5-9900-4CFC-A3FC-36C234B5D509}"/>
+                </a:ext>
+              </a:extLst>
+            </p:cNvPr>
+            <p:cNvSpPr/>
+            <p:nvPr/>
+          </p:nvSpPr>
+          <p:spPr>
+            <a:xfrm>
+              <a:off x="11145082" y="2372141"/>
+              <a:ext cx="490331" cy="463826"/>
+            </a:xfrm>
+            <a:prstGeom prst="ellipse">
+              <a:avLst/>
+            </a:prstGeom>
+            <a:noFill/>
+          </p:spPr>
+          <p:style>
+            <a:lnRef idx="2">
+              <a:schemeClr val="accent1">
+                <a:shade val="50000"/>
+              </a:schemeClr>
+            </a:lnRef>
+            <a:fillRef idx="1">
+              <a:schemeClr val="accent1"/>
+            </a:fillRef>
+            <a:effectRef idx="0">
+              <a:schemeClr val="accent1"/>
+            </a:effectRef>
+            <a:fontRef idx="minor">
+              <a:schemeClr val="lt1"/>
+            </a:fontRef>
+          </p:style>
+          <p:txBody>
+            <a:bodyPr rtlCol="0" anchor="ctr"/>
+            <a:lstStyle/>
+            <a:p>
+              <a:pPr algn="ctr"/>
+              <a:endParaRPr lang="es-CO"/>
+            </a:p>
+          </p:txBody>
+        </p:sp>
+      </p:grpSp>
+      <p:grpSp>
+        <p:nvGrpSpPr>
+          <p:cNvPr id="8" name="Grupo 7">
+            <a:extLst>
+              <a:ext uri="{FF2B5EF4-FFF2-40B4-BE49-F238E27FC236}">
+                <a16:creationId xmlns:a16="http://schemas.microsoft.com/office/drawing/2014/main" id="{B3491BFF-3BC1-42B6-AE2A-61F07461A0EE}"/>
+              </a:ext>
+            </a:extLst>
+          </p:cNvPr>
+          <p:cNvGrpSpPr/>
+          <p:nvPr/>
+        </p:nvGrpSpPr>
+        <p:grpSpPr>
+          <a:xfrm rot="10800000">
+            <a:off x="7579694" y="4022034"/>
+            <a:ext cx="3611219" cy="1610139"/>
+            <a:chOff x="8104425" y="1325217"/>
+            <a:chExt cx="3611219" cy="1610139"/>
+          </a:xfrm>
+        </p:grpSpPr>
+        <p:sp>
+          <p:nvSpPr>
+            <p:cNvPr id="32" name="Elipse 31">
+              <a:extLst>
+                <a:ext uri="{FF2B5EF4-FFF2-40B4-BE49-F238E27FC236}">
+                  <a16:creationId xmlns:a16="http://schemas.microsoft.com/office/drawing/2014/main" id="{F2F9B1BF-0939-4184-9984-1BFF66C8080A}"/>
+                </a:ext>
+              </a:extLst>
+            </p:cNvPr>
+            <p:cNvSpPr/>
+            <p:nvPr/>
+          </p:nvSpPr>
+          <p:spPr>
+            <a:xfrm>
+              <a:off x="9634330" y="1325217"/>
+              <a:ext cx="490331" cy="463826"/>
+            </a:xfrm>
+            <a:prstGeom prst="ellipse">
+              <a:avLst/>
+            </a:prstGeom>
+            <a:noFill/>
+          </p:spPr>
+          <p:style>
+            <a:lnRef idx="2">
+              <a:schemeClr val="accent1">
+                <a:shade val="50000"/>
+              </a:schemeClr>
+            </a:lnRef>
+            <a:fillRef idx="1">
+              <a:schemeClr val="accent1"/>
+            </a:fillRef>
+            <a:effectRef idx="0">
+              <a:schemeClr val="accent1"/>
+            </a:effectRef>
+            <a:fontRef idx="minor">
+              <a:schemeClr val="lt1"/>
+            </a:fontRef>
+          </p:style>
+          <p:txBody>
+            <a:bodyPr rtlCol="0" anchor="ctr"/>
+            <a:lstStyle/>
+            <a:p>
+              <a:pPr algn="ctr"/>
+              <a:endParaRPr lang="es-CO"/>
+            </a:p>
+          </p:txBody>
+        </p:sp>
+        <p:sp>
+          <p:nvSpPr>
+            <p:cNvPr id="35" name="Elipse 34">
+              <a:extLst>
+                <a:ext uri="{FF2B5EF4-FFF2-40B4-BE49-F238E27FC236}">
+                  <a16:creationId xmlns:a16="http://schemas.microsoft.com/office/drawing/2014/main" id="{A6146339-9686-4B38-8F6D-030A9D7BB004}"/>
+                </a:ext>
+              </a:extLst>
+            </p:cNvPr>
+            <p:cNvSpPr/>
+            <p:nvPr/>
+          </p:nvSpPr>
+          <p:spPr>
+            <a:xfrm>
+              <a:off x="8104425" y="2471530"/>
+              <a:ext cx="490331" cy="463826"/>
+            </a:xfrm>
+            <a:prstGeom prst="ellipse">
+              <a:avLst/>
+            </a:prstGeom>
+            <a:noFill/>
+          </p:spPr>
+          <p:style>
+            <a:lnRef idx="2">
+              <a:schemeClr val="accent1">
+                <a:shade val="50000"/>
+              </a:schemeClr>
+            </a:lnRef>
+            <a:fillRef idx="1">
+              <a:schemeClr val="accent1"/>
+            </a:fillRef>
+            <a:effectRef idx="0">
+              <a:schemeClr val="accent1"/>
+            </a:effectRef>
+            <a:fontRef idx="minor">
+              <a:schemeClr val="lt1"/>
+            </a:fontRef>
+          </p:style>
+          <p:txBody>
+            <a:bodyPr rtlCol="0" anchor="ctr"/>
+            <a:lstStyle/>
+            <a:p>
+              <a:pPr algn="ctr"/>
+              <a:endParaRPr lang="es-CO"/>
+            </a:p>
+          </p:txBody>
+        </p:sp>
+        <p:sp>
+          <p:nvSpPr>
+            <p:cNvPr id="36" name="Elipse 35">
+              <a:extLst>
+                <a:ext uri="{FF2B5EF4-FFF2-40B4-BE49-F238E27FC236}">
+                  <a16:creationId xmlns:a16="http://schemas.microsoft.com/office/drawing/2014/main" id="{CB63D7C7-CF74-44B2-8760-3CF3BC210B7A}"/>
+                </a:ext>
+              </a:extLst>
+            </p:cNvPr>
+            <p:cNvSpPr/>
+            <p:nvPr/>
+          </p:nvSpPr>
+          <p:spPr>
+            <a:xfrm>
+              <a:off x="11225314" y="2372141"/>
+              <a:ext cx="490330" cy="463826"/>
+            </a:xfrm>
+            <a:prstGeom prst="ellipse">
+              <a:avLst/>
+            </a:prstGeom>
+            <a:noFill/>
+          </p:spPr>
+          <p:style>
+            <a:lnRef idx="2">
+              <a:schemeClr val="accent1">
+                <a:shade val="50000"/>
+              </a:schemeClr>
+            </a:lnRef>
+            <a:fillRef idx="1">
+              <a:schemeClr val="accent1"/>
+            </a:fillRef>
+            <a:effectRef idx="0">
+              <a:schemeClr val="accent1"/>
+            </a:effectRef>
+            <a:fontRef idx="minor">
+              <a:schemeClr val="lt1"/>
+            </a:fontRef>
+          </p:style>
+          <p:txBody>
+            <a:bodyPr rtlCol="0" anchor="ctr"/>
+            <a:lstStyle/>
+            <a:p>
+              <a:pPr algn="ctr"/>
+              <a:endParaRPr lang="es-CO"/>
+            </a:p>
+          </p:txBody>
+        </p:sp>
+      </p:grpSp>
+      <p:sp>
+        <p:nvSpPr>
+          <p:cNvPr id="11" name="CuadroTexto 10">
+            <a:extLst>
+              <a:ext uri="{FF2B5EF4-FFF2-40B4-BE49-F238E27FC236}">
+                <a16:creationId xmlns:a16="http://schemas.microsoft.com/office/drawing/2014/main" id="{361480D1-177E-4502-9236-29EDAE96AC77}"/>
+              </a:ext>
+            </a:extLst>
+          </p:cNvPr>
+          <p:cNvSpPr txBox="1"/>
+          <p:nvPr/>
+        </p:nvSpPr>
+        <p:spPr>
+          <a:xfrm>
+            <a:off x="9283441" y="1374451"/>
+            <a:ext cx="256906" cy="646331"/>
+          </a:xfrm>
+          <a:prstGeom prst="rect">
+            <a:avLst/>
+          </a:prstGeom>
+          <a:noFill/>
+        </p:spPr>
+        <p:txBody>
+          <a:bodyPr wrap="square" rtlCol="0">
+            <a:spAutoFit/>
+          </a:bodyPr>
+          <a:lstStyle/>
+          <a:p>
+            <a:r>
+              <a:rPr lang="es-CO" dirty="0"/>
+              <a:t>u</a:t>
+            </a:r>
+          </a:p>
+          <a:p>
+            <a:endParaRPr lang="es-CO" dirty="0"/>
+          </a:p>
+        </p:txBody>
+      </p:sp>
+      <p:sp>
+        <p:nvSpPr>
+          <p:cNvPr id="12" name="CuadroTexto 11">
+            <a:extLst>
+              <a:ext uri="{FF2B5EF4-FFF2-40B4-BE49-F238E27FC236}">
+                <a16:creationId xmlns:a16="http://schemas.microsoft.com/office/drawing/2014/main" id="{912A6F60-EA73-4EF7-A87E-737B0303EC3A}"/>
+              </a:ext>
+            </a:extLst>
+          </p:cNvPr>
+          <p:cNvSpPr txBox="1"/>
+          <p:nvPr/>
+        </p:nvSpPr>
+        <p:spPr>
+          <a:xfrm>
+            <a:off x="9261637" y="5184434"/>
+            <a:ext cx="256906" cy="369332"/>
+          </a:xfrm>
+          <a:prstGeom prst="rect">
+            <a:avLst/>
+          </a:prstGeom>
+          <a:noFill/>
+        </p:spPr>
+        <p:txBody>
+          <a:bodyPr wrap="square" rtlCol="0">
+            <a:spAutoFit/>
+          </a:bodyPr>
+          <a:lstStyle/>
+          <a:p>
+            <a:r>
+              <a:rPr lang="es-CO" dirty="0"/>
+              <a:t>v</a:t>
+            </a:r>
+          </a:p>
+        </p:txBody>
+      </p:sp>
+      <p:sp>
+        <p:nvSpPr>
+          <p:cNvPr id="13" name="CuadroTexto 12">
+            <a:extLst>
+              <a:ext uri="{FF2B5EF4-FFF2-40B4-BE49-F238E27FC236}">
+                <a16:creationId xmlns:a16="http://schemas.microsoft.com/office/drawing/2014/main" id="{1DCFED14-09B5-4442-AA04-85E14276EFC6}"/>
+              </a:ext>
+            </a:extLst>
+          </p:cNvPr>
+          <p:cNvSpPr txBox="1"/>
+          <p:nvPr/>
+        </p:nvSpPr>
+        <p:spPr>
+          <a:xfrm>
+            <a:off x="7749121" y="1557130"/>
+            <a:ext cx="1134145" cy="369332"/>
+          </a:xfrm>
+          <a:prstGeom prst="rect">
+            <a:avLst/>
+          </a:prstGeom>
+          <a:noFill/>
+        </p:spPr>
+        <p:txBody>
+          <a:bodyPr wrap="square" rtlCol="0">
+            <a:spAutoFit/>
+          </a:bodyPr>
+          <a:lstStyle/>
+          <a:p>
+            <a:r>
+              <a:rPr lang="es-CO" dirty="0"/>
+              <a:t>trancón</a:t>
+            </a:r>
+          </a:p>
+        </p:txBody>
+      </p:sp>
+      <p:sp>
+        <p:nvSpPr>
+          <p:cNvPr id="14" name="CuadroTexto 13">
+            <a:extLst>
+              <a:ext uri="{FF2B5EF4-FFF2-40B4-BE49-F238E27FC236}">
+                <a16:creationId xmlns:a16="http://schemas.microsoft.com/office/drawing/2014/main" id="{23ED0A28-DBDC-41CE-8858-31C202A16AE4}"/>
+              </a:ext>
+            </a:extLst>
+          </p:cNvPr>
+          <p:cNvSpPr txBox="1"/>
+          <p:nvPr/>
+        </p:nvSpPr>
+        <p:spPr>
+          <a:xfrm>
+            <a:off x="7450160" y="4891608"/>
+            <a:ext cx="1493030" cy="369332"/>
+          </a:xfrm>
+          <a:prstGeom prst="rect">
+            <a:avLst/>
+          </a:prstGeom>
+          <a:noFill/>
+        </p:spPr>
+        <p:txBody>
+          <a:bodyPr wrap="square" rtlCol="0">
+            <a:spAutoFit/>
+          </a:bodyPr>
+          <a:lstStyle/>
+          <a:p>
+            <a:r>
+              <a:rPr lang="es-CO" dirty="0"/>
+              <a:t>Sin trancón</a:t>
+            </a:r>
+          </a:p>
+        </p:txBody>
+      </p:sp>
+      <p:sp>
+        <p:nvSpPr>
+          <p:cNvPr id="15" name="CuadroTexto 14">
+            <a:extLst>
+              <a:ext uri="{FF2B5EF4-FFF2-40B4-BE49-F238E27FC236}">
+                <a16:creationId xmlns:a16="http://schemas.microsoft.com/office/drawing/2014/main" id="{E2F7C707-CBE8-4111-B980-18D89EB38367}"/>
+              </a:ext>
+            </a:extLst>
+          </p:cNvPr>
+          <p:cNvSpPr txBox="1"/>
+          <p:nvPr/>
+        </p:nvSpPr>
+        <p:spPr>
+          <a:xfrm>
+            <a:off x="10140244" y="4802155"/>
+            <a:ext cx="1134145" cy="369332"/>
+          </a:xfrm>
+          <a:prstGeom prst="rect">
+            <a:avLst/>
+          </a:prstGeom>
+          <a:noFill/>
+        </p:spPr>
+        <p:txBody>
+          <a:bodyPr wrap="square" rtlCol="0">
+            <a:spAutoFit/>
+          </a:bodyPr>
+          <a:lstStyle/>
+          <a:p>
+            <a:r>
+              <a:rPr lang="es-CO" dirty="0"/>
+              <a:t>trancón</a:t>
+            </a:r>
+          </a:p>
+        </p:txBody>
+      </p:sp>
+      <p:cxnSp>
+        <p:nvCxnSpPr>
+          <p:cNvPr id="49" name="Conector recto 48">
+            <a:extLst>
+              <a:ext uri="{FF2B5EF4-FFF2-40B4-BE49-F238E27FC236}">
+                <a16:creationId xmlns:a16="http://schemas.microsoft.com/office/drawing/2014/main" id="{40C1E4DB-4589-4493-A445-4B586A5AC7BE}"/>
+              </a:ext>
+            </a:extLst>
+          </p:cNvPr>
+          <p:cNvCxnSpPr>
+            <a:cxnSpLocks/>
+          </p:cNvCxnSpPr>
+          <p:nvPr/>
+        </p:nvCxnSpPr>
+        <p:spPr>
+          <a:xfrm>
+            <a:off x="7786759" y="2935356"/>
+            <a:ext cx="0" cy="1186067"/>
+          </a:xfrm>
+          <a:prstGeom prst="line">
+            <a:avLst/>
+          </a:prstGeom>
+        </p:spPr>
+        <p:style>
+          <a:lnRef idx="1">
+            <a:schemeClr val="accent1"/>
+          </a:lnRef>
+          <a:fillRef idx="0">
+            <a:schemeClr val="accent1"/>
+          </a:fillRef>
+          <a:effectRef idx="0">
+            <a:schemeClr val="accent1"/>
+          </a:effectRef>
+          <a:fontRef idx="minor">
+            <a:schemeClr val="tx1"/>
+          </a:fontRef>
+        </p:style>
+      </p:cxnSp>
+      <p:sp>
+        <p:nvSpPr>
+          <p:cNvPr id="55" name="CuadroTexto 54">
+            <a:extLst>
+              <a:ext uri="{FF2B5EF4-FFF2-40B4-BE49-F238E27FC236}">
+                <a16:creationId xmlns:a16="http://schemas.microsoft.com/office/drawing/2014/main" id="{82FC2249-5008-431A-8D8F-71A49DF17381}"/>
+              </a:ext>
+            </a:extLst>
+          </p:cNvPr>
+          <p:cNvSpPr txBox="1"/>
+          <p:nvPr/>
+        </p:nvSpPr>
+        <p:spPr>
+          <a:xfrm>
+            <a:off x="6798365" y="3309641"/>
+            <a:ext cx="1134145" cy="369332"/>
+          </a:xfrm>
+          <a:prstGeom prst="rect">
+            <a:avLst/>
+          </a:prstGeom>
+          <a:noFill/>
+        </p:spPr>
+        <p:txBody>
+          <a:bodyPr wrap="square" rtlCol="0">
+            <a:spAutoFit/>
+          </a:bodyPr>
+          <a:lstStyle/>
+          <a:p>
+            <a:r>
+              <a:rPr lang="es-CO" dirty="0"/>
+              <a:t>trancón</a:t>
+            </a:r>
+          </a:p>
+        </p:txBody>
+      </p:sp>
+      <p:sp>
+        <p:nvSpPr>
+          <p:cNvPr id="56" name="CuadroTexto 55">
+            <a:extLst>
+              <a:ext uri="{FF2B5EF4-FFF2-40B4-BE49-F238E27FC236}">
+                <a16:creationId xmlns:a16="http://schemas.microsoft.com/office/drawing/2014/main" id="{EFB8605F-A87C-4363-A9A5-304EF963A079}"/>
+              </a:ext>
+            </a:extLst>
+          </p:cNvPr>
+          <p:cNvSpPr txBox="1"/>
+          <p:nvPr/>
+        </p:nvSpPr>
+        <p:spPr>
+          <a:xfrm>
+            <a:off x="9909493" y="1568189"/>
+            <a:ext cx="1493030" cy="369332"/>
+          </a:xfrm>
+          <a:prstGeom prst="rect">
+            <a:avLst/>
+          </a:prstGeom>
+          <a:noFill/>
+        </p:spPr>
+        <p:txBody>
+          <a:bodyPr wrap="square" rtlCol="0">
+            <a:spAutoFit/>
+          </a:bodyPr>
+          <a:lstStyle/>
+          <a:p>
+            <a:r>
+              <a:rPr lang="es-CO" dirty="0"/>
+              <a:t>Sin trancón</a:t>
+            </a:r>
+          </a:p>
+        </p:txBody>
+      </p:sp>
+      <p:sp>
+        <p:nvSpPr>
+          <p:cNvPr id="57" name="CuadroTexto 56">
+            <a:extLst>
+              <a:ext uri="{FF2B5EF4-FFF2-40B4-BE49-F238E27FC236}">
+                <a16:creationId xmlns:a16="http://schemas.microsoft.com/office/drawing/2014/main" id="{80A423E0-A1F8-4C8A-B6CF-6A2D79950D29}"/>
+              </a:ext>
+            </a:extLst>
+          </p:cNvPr>
+          <p:cNvSpPr txBox="1"/>
+          <p:nvPr/>
+        </p:nvSpPr>
+        <p:spPr>
+          <a:xfrm>
+            <a:off x="10861289" y="3194251"/>
+            <a:ext cx="1493030" cy="369332"/>
+          </a:xfrm>
+          <a:prstGeom prst="rect">
+            <a:avLst/>
+          </a:prstGeom>
+          <a:noFill/>
+        </p:spPr>
+        <p:txBody>
+          <a:bodyPr wrap="square" rtlCol="0">
+            <a:spAutoFit/>
+          </a:bodyPr>
+          <a:lstStyle/>
+          <a:p>
+            <a:r>
+              <a:rPr lang="es-CO" dirty="0"/>
+              <a:t>Sin trancón</a:t>
+            </a:r>
+          </a:p>
+        </p:txBody>
+      </p:sp>
+      <p:sp>
+        <p:nvSpPr>
+          <p:cNvPr id="69" name="CuadroTexto 68">
+            <a:extLst>
+              <a:ext uri="{FF2B5EF4-FFF2-40B4-BE49-F238E27FC236}">
+                <a16:creationId xmlns:a16="http://schemas.microsoft.com/office/drawing/2014/main" id="{8C676580-4C5F-4BE6-B4FF-A5BAC4EEA676}"/>
+              </a:ext>
+            </a:extLst>
+          </p:cNvPr>
+          <p:cNvSpPr txBox="1"/>
+          <p:nvPr/>
+        </p:nvSpPr>
+        <p:spPr>
+          <a:xfrm>
+            <a:off x="2178003" y="2020782"/>
+            <a:ext cx="4399358" cy="2862322"/>
+          </a:xfrm>
+          <a:prstGeom prst="rect">
+            <a:avLst/>
+          </a:prstGeom>
+          <a:noFill/>
+        </p:spPr>
+        <p:txBody>
+          <a:bodyPr wrap="square" rtlCol="0">
+            <a:spAutoFit/>
+          </a:bodyPr>
+          <a:lstStyle/>
+          <a:p>
+            <a:r>
+              <a:rPr lang="es-CO" sz="2000" dirty="0"/>
+              <a:t>Ahora considere este otro ejemplo. Dado este grafo, suponga ahora que la persona tolera máximo 1 trancón. Observe que para moverse del punto u al v, el camino rojo no podría ser una opción, ya que estaría atravesando dos trancones, y la persona no podría tolerarlo.</a:t>
+            </a:r>
+            <a:endParaRPr lang="es-CO" sz="2000" b="1" dirty="0"/>
+          </a:p>
+        </p:txBody>
+      </p:sp>
+      <p:cxnSp>
+        <p:nvCxnSpPr>
+          <p:cNvPr id="25" name="Conector recto 24">
+            <a:extLst>
+              <a:ext uri="{FF2B5EF4-FFF2-40B4-BE49-F238E27FC236}">
+                <a16:creationId xmlns:a16="http://schemas.microsoft.com/office/drawing/2014/main" id="{8BFBEAF6-0173-43E4-A57A-952E5113C8E1}"/>
+              </a:ext>
+            </a:extLst>
+          </p:cNvPr>
+          <p:cNvCxnSpPr>
+            <a:cxnSpLocks/>
+            <a:stCxn id="11" idx="1"/>
+          </p:cNvCxnSpPr>
+          <p:nvPr/>
+        </p:nvCxnSpPr>
+        <p:spPr>
+          <a:xfrm flipH="1">
+            <a:off x="7836394" y="1697617"/>
+            <a:ext cx="1447047" cy="773913"/>
+          </a:xfrm>
+          <a:prstGeom prst="line">
+            <a:avLst/>
+          </a:prstGeom>
+          <a:ln w="38100">
+            <a:solidFill>
+              <a:srgbClr val="FF0000"/>
+            </a:solidFill>
+          </a:ln>
+        </p:spPr>
+        <p:style>
+          <a:lnRef idx="1">
+            <a:schemeClr val="accent1"/>
+          </a:lnRef>
+          <a:fillRef idx="0">
+            <a:schemeClr val="accent1"/>
+          </a:fillRef>
+          <a:effectRef idx="0">
+            <a:schemeClr val="accent1"/>
+          </a:effectRef>
+          <a:fontRef idx="minor">
+            <a:schemeClr val="tx1"/>
+          </a:fontRef>
+        </p:style>
+      </p:cxnSp>
+      <p:cxnSp>
+        <p:nvCxnSpPr>
+          <p:cNvPr id="28" name="Conector recto 27">
+            <a:extLst>
+              <a:ext uri="{FF2B5EF4-FFF2-40B4-BE49-F238E27FC236}">
+                <a16:creationId xmlns:a16="http://schemas.microsoft.com/office/drawing/2014/main" id="{6B071E88-9A15-4580-9E16-4114603C5ED0}"/>
+              </a:ext>
+            </a:extLst>
+          </p:cNvPr>
+          <p:cNvCxnSpPr>
+            <a:cxnSpLocks/>
+          </p:cNvCxnSpPr>
+          <p:nvPr/>
+        </p:nvCxnSpPr>
+        <p:spPr>
+          <a:xfrm>
+            <a:off x="9570254" y="1721117"/>
+            <a:ext cx="1164035" cy="718950"/>
+          </a:xfrm>
+          <a:prstGeom prst="line">
+            <a:avLst/>
+          </a:prstGeom>
+        </p:spPr>
+        <p:style>
+          <a:lnRef idx="1">
+            <a:schemeClr val="accent1"/>
+          </a:lnRef>
+          <a:fillRef idx="0">
+            <a:schemeClr val="accent1"/>
+          </a:fillRef>
+          <a:effectRef idx="0">
+            <a:schemeClr val="accent1"/>
+          </a:effectRef>
+          <a:fontRef idx="minor">
+            <a:schemeClr val="tx1"/>
+          </a:fontRef>
+        </p:style>
+      </p:cxnSp>
+      <p:cxnSp>
+        <p:nvCxnSpPr>
+          <p:cNvPr id="33" name="Conector recto 32">
+            <a:extLst>
+              <a:ext uri="{FF2B5EF4-FFF2-40B4-BE49-F238E27FC236}">
+                <a16:creationId xmlns:a16="http://schemas.microsoft.com/office/drawing/2014/main" id="{511422C5-95BD-4424-8CB3-B5E506E0CF3E}"/>
+              </a:ext>
+            </a:extLst>
+          </p:cNvPr>
+          <p:cNvCxnSpPr>
+            <a:cxnSpLocks/>
+          </p:cNvCxnSpPr>
+          <p:nvPr/>
+        </p:nvCxnSpPr>
+        <p:spPr>
+          <a:xfrm flipH="1">
+            <a:off x="7786757" y="2947689"/>
+            <a:ext cx="1" cy="1186067"/>
+          </a:xfrm>
+          <a:prstGeom prst="line">
+            <a:avLst/>
+          </a:prstGeom>
+          <a:ln w="38100">
+            <a:solidFill>
+              <a:srgbClr val="FF0000"/>
+            </a:solidFill>
+          </a:ln>
+        </p:spPr>
+        <p:style>
+          <a:lnRef idx="1">
+            <a:schemeClr val="accent1"/>
+          </a:lnRef>
+          <a:fillRef idx="0">
+            <a:schemeClr val="accent1"/>
+          </a:fillRef>
+          <a:effectRef idx="0">
+            <a:schemeClr val="accent1"/>
+          </a:effectRef>
+          <a:fontRef idx="minor">
+            <a:schemeClr val="tx1"/>
+          </a:fontRef>
+        </p:style>
+      </p:cxnSp>
+      <p:cxnSp>
+        <p:nvCxnSpPr>
+          <p:cNvPr id="37" name="Conector recto 36">
+            <a:extLst>
+              <a:ext uri="{FF2B5EF4-FFF2-40B4-BE49-F238E27FC236}">
+                <a16:creationId xmlns:a16="http://schemas.microsoft.com/office/drawing/2014/main" id="{E9215504-953D-469D-9817-A5E1713A5935}"/>
+              </a:ext>
+            </a:extLst>
+          </p:cNvPr>
+          <p:cNvCxnSpPr>
+            <a:cxnSpLocks/>
+          </p:cNvCxnSpPr>
+          <p:nvPr/>
+        </p:nvCxnSpPr>
+        <p:spPr>
+          <a:xfrm flipH="1">
+            <a:off x="10920347" y="2835967"/>
+            <a:ext cx="1" cy="1186067"/>
+          </a:xfrm>
+          <a:prstGeom prst="line">
+            <a:avLst/>
+          </a:prstGeom>
+        </p:spPr>
+        <p:style>
+          <a:lnRef idx="1">
+            <a:schemeClr val="accent1"/>
+          </a:lnRef>
+          <a:fillRef idx="0">
+            <a:schemeClr val="accent1"/>
+          </a:fillRef>
+          <a:effectRef idx="0">
+            <a:schemeClr val="accent1"/>
+          </a:effectRef>
+          <a:fontRef idx="minor">
+            <a:schemeClr val="tx1"/>
+          </a:fontRef>
+        </p:style>
+      </p:cxnSp>
+      <p:cxnSp>
+        <p:nvCxnSpPr>
+          <p:cNvPr id="38" name="Conector recto 37">
+            <a:extLst>
+              <a:ext uri="{FF2B5EF4-FFF2-40B4-BE49-F238E27FC236}">
+                <a16:creationId xmlns:a16="http://schemas.microsoft.com/office/drawing/2014/main" id="{63D08325-B41B-455C-9D8F-E61EF781AA1F}"/>
+              </a:ext>
+            </a:extLst>
+          </p:cNvPr>
+          <p:cNvCxnSpPr>
+            <a:cxnSpLocks/>
+          </p:cNvCxnSpPr>
+          <p:nvPr/>
+        </p:nvCxnSpPr>
+        <p:spPr>
+          <a:xfrm flipV="1">
+            <a:off x="9551101" y="4417934"/>
+            <a:ext cx="1183188" cy="818339"/>
+          </a:xfrm>
+          <a:prstGeom prst="line">
+            <a:avLst/>
+          </a:prstGeom>
+        </p:spPr>
+        <p:style>
+          <a:lnRef idx="1">
+            <a:schemeClr val="accent1"/>
+          </a:lnRef>
+          <a:fillRef idx="0">
+            <a:schemeClr val="accent1"/>
+          </a:fillRef>
+          <a:effectRef idx="0">
+            <a:schemeClr val="accent1"/>
+          </a:effectRef>
+          <a:fontRef idx="minor">
+            <a:schemeClr val="tx1"/>
+          </a:fontRef>
+        </p:style>
+      </p:cxnSp>
+      <p:cxnSp>
+        <p:nvCxnSpPr>
+          <p:cNvPr id="39" name="Conector recto 38">
+            <a:extLst>
+              <a:ext uri="{FF2B5EF4-FFF2-40B4-BE49-F238E27FC236}">
+                <a16:creationId xmlns:a16="http://schemas.microsoft.com/office/drawing/2014/main" id="{1FE4DA40-0CF0-443A-AE0E-C31D2AFE17D7}"/>
+              </a:ext>
+            </a:extLst>
+          </p:cNvPr>
+          <p:cNvCxnSpPr>
+            <a:cxnSpLocks/>
+          </p:cNvCxnSpPr>
+          <p:nvPr/>
+        </p:nvCxnSpPr>
+        <p:spPr>
+          <a:xfrm>
+            <a:off x="7960117" y="4517323"/>
+            <a:ext cx="1244267" cy="718950"/>
+          </a:xfrm>
+          <a:prstGeom prst="line">
+            <a:avLst/>
+          </a:prstGeom>
+          <a:ln w="38100">
+            <a:solidFill>
+              <a:srgbClr val="FF0000"/>
+            </a:solidFill>
+          </a:ln>
+        </p:spPr>
+        <p:style>
+          <a:lnRef idx="1">
+            <a:schemeClr val="accent1"/>
+          </a:lnRef>
+          <a:fillRef idx="0">
+            <a:schemeClr val="accent1"/>
+          </a:fillRef>
+          <a:effectRef idx="0">
+            <a:schemeClr val="accent1"/>
+          </a:effectRef>
+          <a:fontRef idx="minor">
+            <a:schemeClr val="tx1"/>
+          </a:fontRef>
+        </p:style>
+      </p:cxnSp>
+      <p:cxnSp>
+        <p:nvCxnSpPr>
+          <p:cNvPr id="42" name="Conector recto 41">
+            <a:extLst>
+              <a:ext uri="{FF2B5EF4-FFF2-40B4-BE49-F238E27FC236}">
+                <a16:creationId xmlns:a16="http://schemas.microsoft.com/office/drawing/2014/main" id="{2FBF5331-323B-4320-9187-F68EC64CF449}"/>
+              </a:ext>
+            </a:extLst>
+          </p:cNvPr>
+          <p:cNvCxnSpPr>
+            <a:cxnSpLocks/>
+            <a:endCxn id="23" idx="0"/>
+          </p:cNvCxnSpPr>
+          <p:nvPr/>
+        </p:nvCxnSpPr>
+        <p:spPr>
+          <a:xfrm>
+            <a:off x="9423132" y="1838277"/>
+            <a:ext cx="974" cy="1358810"/>
+          </a:xfrm>
+          <a:prstGeom prst="line">
+            <a:avLst/>
+          </a:prstGeom>
+        </p:spPr>
+        <p:style>
+          <a:lnRef idx="1">
+            <a:schemeClr val="accent1"/>
+          </a:lnRef>
+          <a:fillRef idx="0">
+            <a:schemeClr val="accent1"/>
+          </a:fillRef>
+          <a:effectRef idx="0">
+            <a:schemeClr val="accent1"/>
+          </a:effectRef>
+          <a:fontRef idx="minor">
+            <a:schemeClr val="tx1"/>
+          </a:fontRef>
+        </p:style>
+      </p:cxnSp>
+      <p:sp>
+        <p:nvSpPr>
+          <p:cNvPr id="23" name="Diagrama de flujo: conector 22">
+            <a:extLst>
+              <a:ext uri="{FF2B5EF4-FFF2-40B4-BE49-F238E27FC236}">
+                <a16:creationId xmlns:a16="http://schemas.microsoft.com/office/drawing/2014/main" id="{5C83467A-F102-4090-A43C-9308C3847C60}"/>
+              </a:ext>
+            </a:extLst>
+          </p:cNvPr>
+          <p:cNvSpPr/>
+          <p:nvPr/>
+        </p:nvSpPr>
+        <p:spPr>
+          <a:xfrm>
+            <a:off x="9178941" y="3197087"/>
+            <a:ext cx="490329" cy="463826"/>
+          </a:xfrm>
+          <a:prstGeom prst="flowChartConnector">
+            <a:avLst/>
+          </a:prstGeom>
+          <a:noFill/>
+        </p:spPr>
+        <p:style>
+          <a:lnRef idx="2">
+            <a:schemeClr val="accent1">
+              <a:shade val="50000"/>
+            </a:schemeClr>
+          </a:lnRef>
+          <a:fillRef idx="1">
+            <a:schemeClr val="accent1"/>
+          </a:fillRef>
+          <a:effectRef idx="0">
+            <a:schemeClr val="accent1"/>
+          </a:effectRef>
+          <a:fontRef idx="minor">
+            <a:schemeClr val="lt1"/>
+          </a:fontRef>
+        </p:style>
+        <p:txBody>
+          <a:bodyPr rtlCol="0" anchor="ctr"/>
+          <a:lstStyle/>
+          <a:p>
+            <a:pPr algn="ctr"/>
+            <a:endParaRPr lang="es-CO"/>
+          </a:p>
+        </p:txBody>
+      </p:sp>
+      <p:cxnSp>
+        <p:nvCxnSpPr>
+          <p:cNvPr id="58" name="Conector recto 57">
+            <a:extLst>
+              <a:ext uri="{FF2B5EF4-FFF2-40B4-BE49-F238E27FC236}">
+                <a16:creationId xmlns:a16="http://schemas.microsoft.com/office/drawing/2014/main" id="{1EF31926-71D1-49AF-A37A-23D92F9FF205}"/>
+              </a:ext>
+            </a:extLst>
+          </p:cNvPr>
+          <p:cNvCxnSpPr>
+            <a:cxnSpLocks/>
+            <a:stCxn id="23" idx="4"/>
+            <a:endCxn id="12" idx="0"/>
+          </p:cNvCxnSpPr>
+          <p:nvPr/>
+        </p:nvCxnSpPr>
+        <p:spPr>
+          <a:xfrm flipH="1">
+            <a:off x="9390090" y="3660913"/>
+            <a:ext cx="34016" cy="1523521"/>
+          </a:xfrm>
+          <a:prstGeom prst="line">
+            <a:avLst/>
+          </a:prstGeom>
+        </p:spPr>
+        <p:style>
+          <a:lnRef idx="1">
+            <a:schemeClr val="accent1"/>
+          </a:lnRef>
+          <a:fillRef idx="0">
+            <a:schemeClr val="accent1"/>
+          </a:fillRef>
+          <a:effectRef idx="0">
+            <a:schemeClr val="accent1"/>
+          </a:effectRef>
+          <a:fontRef idx="minor">
+            <a:schemeClr val="tx1"/>
+          </a:fontRef>
+        </p:style>
+      </p:cxnSp>
+      <p:sp>
+        <p:nvSpPr>
+          <p:cNvPr id="66" name="CuadroTexto 65">
+            <a:extLst>
+              <a:ext uri="{FF2B5EF4-FFF2-40B4-BE49-F238E27FC236}">
+                <a16:creationId xmlns:a16="http://schemas.microsoft.com/office/drawing/2014/main" id="{CC9B6CEE-8277-47BF-A825-F6D752DB9FFC}"/>
+              </a:ext>
+            </a:extLst>
+          </p:cNvPr>
+          <p:cNvSpPr txBox="1"/>
+          <p:nvPr/>
+        </p:nvSpPr>
+        <p:spPr>
+          <a:xfrm>
+            <a:off x="8188765" y="2663124"/>
+            <a:ext cx="1447046" cy="338554"/>
+          </a:xfrm>
+          <a:prstGeom prst="rect">
+            <a:avLst/>
+          </a:prstGeom>
+          <a:noFill/>
+        </p:spPr>
+        <p:txBody>
+          <a:bodyPr wrap="square" rtlCol="0">
+            <a:spAutoFit/>
+          </a:bodyPr>
+          <a:lstStyle/>
+          <a:p>
+            <a:r>
+              <a:rPr lang="es-CO" sz="1600" dirty="0"/>
+              <a:t>Sin trancón</a:t>
+            </a:r>
+          </a:p>
+        </p:txBody>
+      </p:sp>
+      <p:sp>
+        <p:nvSpPr>
+          <p:cNvPr id="67" name="CuadroTexto 66">
+            <a:extLst>
+              <a:ext uri="{FF2B5EF4-FFF2-40B4-BE49-F238E27FC236}">
+                <a16:creationId xmlns:a16="http://schemas.microsoft.com/office/drawing/2014/main" id="{DAF59D5D-5CBF-4D45-A4A5-11B9474843A9}"/>
+              </a:ext>
+            </a:extLst>
+          </p:cNvPr>
+          <p:cNvSpPr txBox="1"/>
+          <p:nvPr/>
+        </p:nvSpPr>
+        <p:spPr>
+          <a:xfrm>
+            <a:off x="8409288" y="4063731"/>
+            <a:ext cx="1134145" cy="369332"/>
+          </a:xfrm>
+          <a:prstGeom prst="rect">
+            <a:avLst/>
+          </a:prstGeom>
+          <a:noFill/>
+        </p:spPr>
+        <p:txBody>
+          <a:bodyPr wrap="square" rtlCol="0">
+            <a:spAutoFit/>
+          </a:bodyPr>
+          <a:lstStyle/>
+          <a:p>
+            <a:r>
+              <a:rPr lang="es-CO" dirty="0"/>
+              <a:t>trancón</a:t>
+            </a:r>
+          </a:p>
+        </p:txBody>
+      </p:sp>
+    </p:spTree>
+    <p:extLst>
+      <p:ext uri="{BB962C8B-B14F-4D97-AF65-F5344CB8AC3E}">
+        <p14:creationId xmlns:p14="http://schemas.microsoft.com/office/powerpoint/2010/main" val="3312606887"/>
+      </p:ext>
+    </p:extLst>
+  </p:cSld>
+  <p:clrMapOvr>
+    <a:masterClrMapping/>
+  </p:clrMapOvr>
+</p:sld>
+</file>
+
+<file path=ppt/slides/slide5.xml><?xml version="1.0" encoding="utf-8"?>
+<p:sld xmlns:a="http://schemas.openxmlformats.org/drawingml/2006/main" xmlns:r="http://schemas.openxmlformats.org/officeDocument/2006/relationships" xmlns:p="http://schemas.openxmlformats.org/presentationml/2006/main">
+  <p:cSld>
+    <p:spTree>
+      <p:nvGrpSpPr>
+        <p:cNvPr id="1" name=""/>
+        <p:cNvGrpSpPr/>
+        <p:nvPr/>
+      </p:nvGrpSpPr>
+      <p:grpSpPr>
+        <a:xfrm>
+          <a:off x="0" y="0"/>
+          <a:ext cx="0" cy="0"/>
+          <a:chOff x="0" y="0"/>
+          <a:chExt cx="0" cy="0"/>
+        </a:xfrm>
+      </p:grpSpPr>
+      <p:grpSp>
+        <p:nvGrpSpPr>
+          <p:cNvPr id="5" name="Grupo 4">
+            <a:extLst>
+              <a:ext uri="{FF2B5EF4-FFF2-40B4-BE49-F238E27FC236}">
+                <a16:creationId xmlns:a16="http://schemas.microsoft.com/office/drawing/2014/main" id="{394DDF05-E454-4F11-AB50-E1A41C3C8F68}"/>
+              </a:ext>
+            </a:extLst>
+          </p:cNvPr>
+          <p:cNvGrpSpPr/>
+          <p:nvPr/>
+        </p:nvGrpSpPr>
+        <p:grpSpPr>
+          <a:xfrm>
+            <a:off x="7579693" y="1325217"/>
+            <a:ext cx="3611220" cy="1610139"/>
+            <a:chOff x="8024193" y="1325217"/>
+            <a:chExt cx="3611220" cy="1610139"/>
+          </a:xfrm>
+        </p:grpSpPr>
+        <p:sp>
+          <p:nvSpPr>
+            <p:cNvPr id="43" name="Elipse 42">
+              <a:extLst>
+                <a:ext uri="{FF2B5EF4-FFF2-40B4-BE49-F238E27FC236}">
+                  <a16:creationId xmlns:a16="http://schemas.microsoft.com/office/drawing/2014/main" id="{AC0B517B-CEEF-4B41-8361-D865B28FFE9D}"/>
+                </a:ext>
+              </a:extLst>
+            </p:cNvPr>
+            <p:cNvSpPr/>
+            <p:nvPr/>
+          </p:nvSpPr>
+          <p:spPr>
+            <a:xfrm>
+              <a:off x="9634330" y="1325217"/>
+              <a:ext cx="490331" cy="463826"/>
+            </a:xfrm>
+            <a:prstGeom prst="ellipse">
+              <a:avLst/>
+            </a:prstGeom>
+            <a:noFill/>
+          </p:spPr>
+          <p:style>
+            <a:lnRef idx="2">
+              <a:schemeClr val="accent1">
+                <a:shade val="50000"/>
+              </a:schemeClr>
+            </a:lnRef>
+            <a:fillRef idx="1">
+              <a:schemeClr val="accent1"/>
+            </a:fillRef>
+            <a:effectRef idx="0">
+              <a:schemeClr val="accent1"/>
+            </a:effectRef>
+            <a:fontRef idx="minor">
+              <a:schemeClr val="lt1"/>
+            </a:fontRef>
+          </p:style>
+          <p:txBody>
+            <a:bodyPr rtlCol="0" anchor="ctr"/>
+            <a:lstStyle/>
+            <a:p>
+              <a:pPr algn="ctr"/>
+              <a:endParaRPr lang="es-CO"/>
+            </a:p>
+          </p:txBody>
+        </p:sp>
+        <p:cxnSp>
+          <p:nvCxnSpPr>
+            <p:cNvPr id="44" name="Conector recto 43">
+              <a:extLst>
+                <a:ext uri="{FF2B5EF4-FFF2-40B4-BE49-F238E27FC236}">
+                  <a16:creationId xmlns:a16="http://schemas.microsoft.com/office/drawing/2014/main" id="{4C31321C-939B-4CC5-BE5A-E5FF1ABB32F9}"/>
+                </a:ext>
+              </a:extLst>
+            </p:cNvPr>
+            <p:cNvCxnSpPr>
+              <a:stCxn id="43" idx="3"/>
+            </p:cNvCxnSpPr>
+            <p:nvPr/>
+          </p:nvCxnSpPr>
+          <p:spPr>
+            <a:xfrm flipH="1">
+              <a:off x="8256104" y="1721117"/>
+              <a:ext cx="1450033" cy="743787"/>
+            </a:xfrm>
+            <a:prstGeom prst="line">
+              <a:avLst/>
+            </a:prstGeom>
+          </p:spPr>
+          <p:style>
+            <a:lnRef idx="1">
+              <a:schemeClr val="accent1"/>
+            </a:lnRef>
+            <a:fillRef idx="0">
+              <a:schemeClr val="accent1"/>
+            </a:fillRef>
+            <a:effectRef idx="0">
+              <a:schemeClr val="accent1"/>
+            </a:effectRef>
+            <a:fontRef idx="minor">
+              <a:schemeClr val="tx1"/>
+            </a:fontRef>
+          </p:style>
+        </p:cxnSp>
+        <p:sp>
+          <p:nvSpPr>
+            <p:cNvPr id="46" name="Elipse 45">
+              <a:extLst>
+                <a:ext uri="{FF2B5EF4-FFF2-40B4-BE49-F238E27FC236}">
+                  <a16:creationId xmlns:a16="http://schemas.microsoft.com/office/drawing/2014/main" id="{347FC539-ED4A-4AD8-AE35-D0E111D6F9E8}"/>
+                </a:ext>
+              </a:extLst>
+            </p:cNvPr>
+            <p:cNvSpPr/>
+            <p:nvPr/>
+          </p:nvSpPr>
+          <p:spPr>
+            <a:xfrm>
+              <a:off x="8024193" y="2471530"/>
+              <a:ext cx="490331" cy="463826"/>
+            </a:xfrm>
+            <a:prstGeom prst="ellipse">
+              <a:avLst/>
+            </a:prstGeom>
+            <a:noFill/>
+          </p:spPr>
+          <p:style>
+            <a:lnRef idx="2">
+              <a:schemeClr val="accent1">
+                <a:shade val="50000"/>
+              </a:schemeClr>
+            </a:lnRef>
+            <a:fillRef idx="1">
+              <a:schemeClr val="accent1"/>
+            </a:fillRef>
+            <a:effectRef idx="0">
+              <a:schemeClr val="accent1"/>
+            </a:effectRef>
+            <a:fontRef idx="minor">
+              <a:schemeClr val="lt1"/>
+            </a:fontRef>
+          </p:style>
+          <p:txBody>
+            <a:bodyPr rtlCol="0" anchor="ctr"/>
+            <a:lstStyle/>
+            <a:p>
+              <a:pPr algn="ctr"/>
+              <a:endParaRPr lang="es-CO"/>
+            </a:p>
+          </p:txBody>
+        </p:sp>
+        <p:sp>
+          <p:nvSpPr>
+            <p:cNvPr id="47" name="Elipse 46">
+              <a:extLst>
+                <a:ext uri="{FF2B5EF4-FFF2-40B4-BE49-F238E27FC236}">
+                  <a16:creationId xmlns:a16="http://schemas.microsoft.com/office/drawing/2014/main" id="{75C578D5-9900-4CFC-A3FC-36C234B5D509}"/>
+                </a:ext>
+              </a:extLst>
+            </p:cNvPr>
+            <p:cNvSpPr/>
+            <p:nvPr/>
+          </p:nvSpPr>
+          <p:spPr>
+            <a:xfrm>
+              <a:off x="11145082" y="2372141"/>
+              <a:ext cx="490331" cy="463826"/>
+            </a:xfrm>
+            <a:prstGeom prst="ellipse">
+              <a:avLst/>
+            </a:prstGeom>
+            <a:noFill/>
+          </p:spPr>
+          <p:style>
+            <a:lnRef idx="2">
+              <a:schemeClr val="accent1">
+                <a:shade val="50000"/>
+              </a:schemeClr>
+            </a:lnRef>
+            <a:fillRef idx="1">
+              <a:schemeClr val="accent1"/>
+            </a:fillRef>
+            <a:effectRef idx="0">
+              <a:schemeClr val="accent1"/>
+            </a:effectRef>
+            <a:fontRef idx="minor">
+              <a:schemeClr val="lt1"/>
+            </a:fontRef>
+          </p:style>
+          <p:txBody>
+            <a:bodyPr rtlCol="0" anchor="ctr"/>
+            <a:lstStyle/>
+            <a:p>
+              <a:pPr algn="ctr"/>
+              <a:endParaRPr lang="es-CO"/>
+            </a:p>
+          </p:txBody>
+        </p:sp>
+      </p:grpSp>
+      <p:grpSp>
+        <p:nvGrpSpPr>
+          <p:cNvPr id="8" name="Grupo 7">
+            <a:extLst>
+              <a:ext uri="{FF2B5EF4-FFF2-40B4-BE49-F238E27FC236}">
+                <a16:creationId xmlns:a16="http://schemas.microsoft.com/office/drawing/2014/main" id="{B3491BFF-3BC1-42B6-AE2A-61F07461A0EE}"/>
+              </a:ext>
+            </a:extLst>
+          </p:cNvPr>
+          <p:cNvGrpSpPr/>
+          <p:nvPr/>
+        </p:nvGrpSpPr>
+        <p:grpSpPr>
+          <a:xfrm rot="10800000">
+            <a:off x="7579694" y="4022034"/>
+            <a:ext cx="3611219" cy="1610139"/>
+            <a:chOff x="8104425" y="1325217"/>
+            <a:chExt cx="3611219" cy="1610139"/>
+          </a:xfrm>
+        </p:grpSpPr>
+        <p:sp>
+          <p:nvSpPr>
+            <p:cNvPr id="32" name="Elipse 31">
+              <a:extLst>
+                <a:ext uri="{FF2B5EF4-FFF2-40B4-BE49-F238E27FC236}">
+                  <a16:creationId xmlns:a16="http://schemas.microsoft.com/office/drawing/2014/main" id="{F2F9B1BF-0939-4184-9984-1BFF66C8080A}"/>
+                </a:ext>
+              </a:extLst>
+            </p:cNvPr>
+            <p:cNvSpPr/>
+            <p:nvPr/>
+          </p:nvSpPr>
+          <p:spPr>
+            <a:xfrm>
+              <a:off x="9634330" y="1325217"/>
+              <a:ext cx="490331" cy="463826"/>
+            </a:xfrm>
+            <a:prstGeom prst="ellipse">
+              <a:avLst/>
+            </a:prstGeom>
+            <a:noFill/>
+          </p:spPr>
+          <p:style>
+            <a:lnRef idx="2">
+              <a:schemeClr val="accent1">
+                <a:shade val="50000"/>
+              </a:schemeClr>
+            </a:lnRef>
+            <a:fillRef idx="1">
+              <a:schemeClr val="accent1"/>
+            </a:fillRef>
+            <a:effectRef idx="0">
+              <a:schemeClr val="accent1"/>
+            </a:effectRef>
+            <a:fontRef idx="minor">
+              <a:schemeClr val="lt1"/>
+            </a:fontRef>
+          </p:style>
+          <p:txBody>
+            <a:bodyPr rtlCol="0" anchor="ctr"/>
+            <a:lstStyle/>
+            <a:p>
+              <a:pPr algn="ctr"/>
+              <a:endParaRPr lang="es-CO"/>
+            </a:p>
+          </p:txBody>
+        </p:sp>
+        <p:sp>
+          <p:nvSpPr>
+            <p:cNvPr id="35" name="Elipse 34">
+              <a:extLst>
+                <a:ext uri="{FF2B5EF4-FFF2-40B4-BE49-F238E27FC236}">
+                  <a16:creationId xmlns:a16="http://schemas.microsoft.com/office/drawing/2014/main" id="{A6146339-9686-4B38-8F6D-030A9D7BB004}"/>
+                </a:ext>
+              </a:extLst>
+            </p:cNvPr>
+            <p:cNvSpPr/>
+            <p:nvPr/>
+          </p:nvSpPr>
+          <p:spPr>
+            <a:xfrm>
+              <a:off x="8104425" y="2471530"/>
+              <a:ext cx="490331" cy="463826"/>
+            </a:xfrm>
+            <a:prstGeom prst="ellipse">
+              <a:avLst/>
+            </a:prstGeom>
+            <a:noFill/>
+          </p:spPr>
+          <p:style>
+            <a:lnRef idx="2">
+              <a:schemeClr val="accent1">
+                <a:shade val="50000"/>
+              </a:schemeClr>
+            </a:lnRef>
+            <a:fillRef idx="1">
+              <a:schemeClr val="accent1"/>
+            </a:fillRef>
+            <a:effectRef idx="0">
+              <a:schemeClr val="accent1"/>
+            </a:effectRef>
+            <a:fontRef idx="minor">
+              <a:schemeClr val="lt1"/>
+            </a:fontRef>
+          </p:style>
+          <p:txBody>
+            <a:bodyPr rtlCol="0" anchor="ctr"/>
+            <a:lstStyle/>
+            <a:p>
+              <a:pPr algn="ctr"/>
+              <a:endParaRPr lang="es-CO"/>
+            </a:p>
+          </p:txBody>
+        </p:sp>
+        <p:sp>
+          <p:nvSpPr>
+            <p:cNvPr id="36" name="Elipse 35">
+              <a:extLst>
+                <a:ext uri="{FF2B5EF4-FFF2-40B4-BE49-F238E27FC236}">
+                  <a16:creationId xmlns:a16="http://schemas.microsoft.com/office/drawing/2014/main" id="{CB63D7C7-CF74-44B2-8760-3CF3BC210B7A}"/>
+                </a:ext>
+              </a:extLst>
+            </p:cNvPr>
+            <p:cNvSpPr/>
+            <p:nvPr/>
+          </p:nvSpPr>
+          <p:spPr>
+            <a:xfrm>
+              <a:off x="11225314" y="2372141"/>
+              <a:ext cx="490330" cy="463826"/>
+            </a:xfrm>
+            <a:prstGeom prst="ellipse">
+              <a:avLst/>
+            </a:prstGeom>
+            <a:noFill/>
+          </p:spPr>
+          <p:style>
+            <a:lnRef idx="2">
+              <a:schemeClr val="accent1">
+                <a:shade val="50000"/>
+              </a:schemeClr>
+            </a:lnRef>
+            <a:fillRef idx="1">
+              <a:schemeClr val="accent1"/>
+            </a:fillRef>
+            <a:effectRef idx="0">
+              <a:schemeClr val="accent1"/>
+            </a:effectRef>
+            <a:fontRef idx="minor">
+              <a:schemeClr val="lt1"/>
+            </a:fontRef>
+          </p:style>
+          <p:txBody>
+            <a:bodyPr rtlCol="0" anchor="ctr"/>
+            <a:lstStyle/>
+            <a:p>
+              <a:pPr algn="ctr"/>
+              <a:endParaRPr lang="es-CO"/>
+            </a:p>
+          </p:txBody>
+        </p:sp>
+      </p:grpSp>
+      <p:sp>
+        <p:nvSpPr>
+          <p:cNvPr id="11" name="CuadroTexto 10">
+            <a:extLst>
+              <a:ext uri="{FF2B5EF4-FFF2-40B4-BE49-F238E27FC236}">
+                <a16:creationId xmlns:a16="http://schemas.microsoft.com/office/drawing/2014/main" id="{361480D1-177E-4502-9236-29EDAE96AC77}"/>
+              </a:ext>
+            </a:extLst>
+          </p:cNvPr>
+          <p:cNvSpPr txBox="1"/>
+          <p:nvPr/>
+        </p:nvSpPr>
+        <p:spPr>
+          <a:xfrm>
+            <a:off x="9283441" y="1374451"/>
+            <a:ext cx="256906" cy="646331"/>
+          </a:xfrm>
+          <a:prstGeom prst="rect">
+            <a:avLst/>
+          </a:prstGeom>
+          <a:noFill/>
+        </p:spPr>
+        <p:txBody>
+          <a:bodyPr wrap="square" rtlCol="0">
+            <a:spAutoFit/>
+          </a:bodyPr>
+          <a:lstStyle/>
+          <a:p>
+            <a:r>
+              <a:rPr lang="es-CO" dirty="0"/>
+              <a:t>u</a:t>
+            </a:r>
+          </a:p>
+          <a:p>
+            <a:endParaRPr lang="es-CO" dirty="0"/>
+          </a:p>
+        </p:txBody>
+      </p:sp>
+      <p:sp>
+        <p:nvSpPr>
+          <p:cNvPr id="12" name="CuadroTexto 11">
+            <a:extLst>
+              <a:ext uri="{FF2B5EF4-FFF2-40B4-BE49-F238E27FC236}">
+                <a16:creationId xmlns:a16="http://schemas.microsoft.com/office/drawing/2014/main" id="{912A6F60-EA73-4EF7-A87E-737B0303EC3A}"/>
+              </a:ext>
+            </a:extLst>
+          </p:cNvPr>
+          <p:cNvSpPr txBox="1"/>
+          <p:nvPr/>
+        </p:nvSpPr>
+        <p:spPr>
+          <a:xfrm>
+            <a:off x="9261637" y="5184434"/>
+            <a:ext cx="256906" cy="369332"/>
+          </a:xfrm>
+          <a:prstGeom prst="rect">
+            <a:avLst/>
+          </a:prstGeom>
+          <a:noFill/>
+        </p:spPr>
+        <p:txBody>
+          <a:bodyPr wrap="square" rtlCol="0">
+            <a:spAutoFit/>
+          </a:bodyPr>
+          <a:lstStyle/>
+          <a:p>
+            <a:r>
+              <a:rPr lang="es-CO" dirty="0"/>
+              <a:t>v</a:t>
+            </a:r>
+          </a:p>
+        </p:txBody>
+      </p:sp>
+      <p:sp>
+        <p:nvSpPr>
+          <p:cNvPr id="13" name="CuadroTexto 12">
+            <a:extLst>
+              <a:ext uri="{FF2B5EF4-FFF2-40B4-BE49-F238E27FC236}">
+                <a16:creationId xmlns:a16="http://schemas.microsoft.com/office/drawing/2014/main" id="{1DCFED14-09B5-4442-AA04-85E14276EFC6}"/>
+              </a:ext>
+            </a:extLst>
+          </p:cNvPr>
+          <p:cNvSpPr txBox="1"/>
+          <p:nvPr/>
+        </p:nvSpPr>
+        <p:spPr>
+          <a:xfrm>
+            <a:off x="7749121" y="1557130"/>
+            <a:ext cx="1134145" cy="369332"/>
+          </a:xfrm>
+          <a:prstGeom prst="rect">
+            <a:avLst/>
+          </a:prstGeom>
+          <a:noFill/>
+        </p:spPr>
+        <p:txBody>
+          <a:bodyPr wrap="square" rtlCol="0">
+            <a:spAutoFit/>
+          </a:bodyPr>
+          <a:lstStyle/>
+          <a:p>
+            <a:r>
+              <a:rPr lang="es-CO" dirty="0"/>
+              <a:t>trancón</a:t>
+            </a:r>
+          </a:p>
+        </p:txBody>
+      </p:sp>
+      <p:sp>
+        <p:nvSpPr>
+          <p:cNvPr id="14" name="CuadroTexto 13">
+            <a:extLst>
+              <a:ext uri="{FF2B5EF4-FFF2-40B4-BE49-F238E27FC236}">
+                <a16:creationId xmlns:a16="http://schemas.microsoft.com/office/drawing/2014/main" id="{23ED0A28-DBDC-41CE-8858-31C202A16AE4}"/>
+              </a:ext>
+            </a:extLst>
+          </p:cNvPr>
+          <p:cNvSpPr txBox="1"/>
+          <p:nvPr/>
+        </p:nvSpPr>
+        <p:spPr>
+          <a:xfrm>
+            <a:off x="7450160" y="4891608"/>
+            <a:ext cx="1493030" cy="369332"/>
+          </a:xfrm>
+          <a:prstGeom prst="rect">
+            <a:avLst/>
+          </a:prstGeom>
+          <a:noFill/>
+        </p:spPr>
+        <p:txBody>
+          <a:bodyPr wrap="square" rtlCol="0">
+            <a:spAutoFit/>
+          </a:bodyPr>
+          <a:lstStyle/>
+          <a:p>
+            <a:r>
+              <a:rPr lang="es-CO" dirty="0"/>
+              <a:t>Sin trancón</a:t>
+            </a:r>
+          </a:p>
+        </p:txBody>
+      </p:sp>
+      <p:sp>
+        <p:nvSpPr>
+          <p:cNvPr id="15" name="CuadroTexto 14">
+            <a:extLst>
+              <a:ext uri="{FF2B5EF4-FFF2-40B4-BE49-F238E27FC236}">
+                <a16:creationId xmlns:a16="http://schemas.microsoft.com/office/drawing/2014/main" id="{E2F7C707-CBE8-4111-B980-18D89EB38367}"/>
+              </a:ext>
+            </a:extLst>
+          </p:cNvPr>
+          <p:cNvSpPr txBox="1"/>
+          <p:nvPr/>
+        </p:nvSpPr>
+        <p:spPr>
+          <a:xfrm>
+            <a:off x="10140244" y="4802155"/>
+            <a:ext cx="1134145" cy="369332"/>
+          </a:xfrm>
+          <a:prstGeom prst="rect">
+            <a:avLst/>
+          </a:prstGeom>
+          <a:noFill/>
+        </p:spPr>
+        <p:txBody>
+          <a:bodyPr wrap="square" rtlCol="0">
+            <a:spAutoFit/>
+          </a:bodyPr>
+          <a:lstStyle/>
+          <a:p>
+            <a:r>
+              <a:rPr lang="es-CO" dirty="0"/>
+              <a:t>trancón</a:t>
+            </a:r>
+          </a:p>
+        </p:txBody>
+      </p:sp>
+      <p:cxnSp>
+        <p:nvCxnSpPr>
+          <p:cNvPr id="49" name="Conector recto 48">
+            <a:extLst>
+              <a:ext uri="{FF2B5EF4-FFF2-40B4-BE49-F238E27FC236}">
+                <a16:creationId xmlns:a16="http://schemas.microsoft.com/office/drawing/2014/main" id="{40C1E4DB-4589-4493-A445-4B586A5AC7BE}"/>
+              </a:ext>
+            </a:extLst>
+          </p:cNvPr>
+          <p:cNvCxnSpPr>
+            <a:cxnSpLocks/>
+          </p:cNvCxnSpPr>
+          <p:nvPr/>
+        </p:nvCxnSpPr>
+        <p:spPr>
+          <a:xfrm>
+            <a:off x="7786759" y="2935356"/>
+            <a:ext cx="0" cy="1186067"/>
+          </a:xfrm>
+          <a:prstGeom prst="line">
+            <a:avLst/>
+          </a:prstGeom>
+        </p:spPr>
+        <p:style>
+          <a:lnRef idx="1">
+            <a:schemeClr val="accent1"/>
+          </a:lnRef>
+          <a:fillRef idx="0">
+            <a:schemeClr val="accent1"/>
+          </a:fillRef>
+          <a:effectRef idx="0">
+            <a:schemeClr val="accent1"/>
+          </a:effectRef>
+          <a:fontRef idx="minor">
+            <a:schemeClr val="tx1"/>
+          </a:fontRef>
+        </p:style>
+      </p:cxnSp>
+      <p:sp>
+        <p:nvSpPr>
+          <p:cNvPr id="55" name="CuadroTexto 54">
+            <a:extLst>
+              <a:ext uri="{FF2B5EF4-FFF2-40B4-BE49-F238E27FC236}">
+                <a16:creationId xmlns:a16="http://schemas.microsoft.com/office/drawing/2014/main" id="{82FC2249-5008-431A-8D8F-71A49DF17381}"/>
+              </a:ext>
+            </a:extLst>
+          </p:cNvPr>
+          <p:cNvSpPr txBox="1"/>
+          <p:nvPr/>
+        </p:nvSpPr>
+        <p:spPr>
+          <a:xfrm>
+            <a:off x="6798365" y="3309641"/>
+            <a:ext cx="1134145" cy="369332"/>
+          </a:xfrm>
+          <a:prstGeom prst="rect">
+            <a:avLst/>
+          </a:prstGeom>
+          <a:noFill/>
+        </p:spPr>
+        <p:txBody>
+          <a:bodyPr wrap="square" rtlCol="0">
+            <a:spAutoFit/>
+          </a:bodyPr>
+          <a:lstStyle/>
+          <a:p>
+            <a:r>
+              <a:rPr lang="es-CO" dirty="0"/>
+              <a:t>trancón</a:t>
+            </a:r>
+          </a:p>
+        </p:txBody>
+      </p:sp>
+      <p:sp>
+        <p:nvSpPr>
+          <p:cNvPr id="56" name="CuadroTexto 55">
+            <a:extLst>
+              <a:ext uri="{FF2B5EF4-FFF2-40B4-BE49-F238E27FC236}">
+                <a16:creationId xmlns:a16="http://schemas.microsoft.com/office/drawing/2014/main" id="{EFB8605F-A87C-4363-A9A5-304EF963A079}"/>
+              </a:ext>
+            </a:extLst>
+          </p:cNvPr>
+          <p:cNvSpPr txBox="1"/>
+          <p:nvPr/>
+        </p:nvSpPr>
+        <p:spPr>
+          <a:xfrm>
+            <a:off x="9909493" y="1568189"/>
+            <a:ext cx="1493030" cy="369332"/>
+          </a:xfrm>
+          <a:prstGeom prst="rect">
+            <a:avLst/>
+          </a:prstGeom>
+          <a:noFill/>
+        </p:spPr>
+        <p:txBody>
+          <a:bodyPr wrap="square" rtlCol="0">
+            <a:spAutoFit/>
+          </a:bodyPr>
+          <a:lstStyle/>
+          <a:p>
+            <a:r>
+              <a:rPr lang="es-CO" dirty="0"/>
+              <a:t>Sin trancón</a:t>
+            </a:r>
+          </a:p>
+        </p:txBody>
+      </p:sp>
+      <p:sp>
+        <p:nvSpPr>
+          <p:cNvPr id="57" name="CuadroTexto 56">
+            <a:extLst>
+              <a:ext uri="{FF2B5EF4-FFF2-40B4-BE49-F238E27FC236}">
+                <a16:creationId xmlns:a16="http://schemas.microsoft.com/office/drawing/2014/main" id="{80A423E0-A1F8-4C8A-B6CF-6A2D79950D29}"/>
+              </a:ext>
+            </a:extLst>
+          </p:cNvPr>
+          <p:cNvSpPr txBox="1"/>
+          <p:nvPr/>
+        </p:nvSpPr>
+        <p:spPr>
+          <a:xfrm>
+            <a:off x="10861289" y="3194251"/>
+            <a:ext cx="1493030" cy="369332"/>
+          </a:xfrm>
+          <a:prstGeom prst="rect">
+            <a:avLst/>
+          </a:prstGeom>
+          <a:noFill/>
+        </p:spPr>
+        <p:txBody>
+          <a:bodyPr wrap="square" rtlCol="0">
+            <a:spAutoFit/>
+          </a:bodyPr>
+          <a:lstStyle/>
+          <a:p>
+            <a:r>
+              <a:rPr lang="es-CO" dirty="0"/>
+              <a:t>Sin trancón</a:t>
+            </a:r>
+          </a:p>
+        </p:txBody>
+      </p:sp>
+      <p:sp>
+        <p:nvSpPr>
+          <p:cNvPr id="69" name="CuadroTexto 68">
+            <a:extLst>
+              <a:ext uri="{FF2B5EF4-FFF2-40B4-BE49-F238E27FC236}">
+                <a16:creationId xmlns:a16="http://schemas.microsoft.com/office/drawing/2014/main" id="{8C676580-4C5F-4BE6-B4FF-A5BAC4EEA676}"/>
+              </a:ext>
+            </a:extLst>
+          </p:cNvPr>
+          <p:cNvSpPr txBox="1"/>
+          <p:nvPr/>
+        </p:nvSpPr>
+        <p:spPr>
+          <a:xfrm>
+            <a:off x="2178003" y="2020782"/>
+            <a:ext cx="4399358" cy="1631216"/>
+          </a:xfrm>
+          <a:prstGeom prst="rect">
+            <a:avLst/>
+          </a:prstGeom>
+          <a:noFill/>
+        </p:spPr>
+        <p:txBody>
+          <a:bodyPr wrap="square" rtlCol="0">
+            <a:spAutoFit/>
+          </a:bodyPr>
+          <a:lstStyle/>
+          <a:p>
+            <a:r>
+              <a:rPr lang="es-CO" sz="2000" dirty="0"/>
+              <a:t>En cambio, el camino azul podría ser una posibilidad para moverse del punto u al v, ya que la persona solo estaría tolerando un trancón.</a:t>
+            </a:r>
+            <a:endParaRPr lang="es-CO" sz="2000" b="1" dirty="0"/>
+          </a:p>
+        </p:txBody>
+      </p:sp>
+      <p:cxnSp>
+        <p:nvCxnSpPr>
+          <p:cNvPr id="25" name="Conector recto 24">
+            <a:extLst>
+              <a:ext uri="{FF2B5EF4-FFF2-40B4-BE49-F238E27FC236}">
+                <a16:creationId xmlns:a16="http://schemas.microsoft.com/office/drawing/2014/main" id="{8BFBEAF6-0173-43E4-A57A-952E5113C8E1}"/>
+              </a:ext>
+            </a:extLst>
+          </p:cNvPr>
+          <p:cNvCxnSpPr>
+            <a:cxnSpLocks/>
+            <a:endCxn id="23" idx="0"/>
+          </p:cNvCxnSpPr>
+          <p:nvPr/>
+        </p:nvCxnSpPr>
+        <p:spPr>
+          <a:xfrm flipH="1">
+            <a:off x="9398706" y="1812040"/>
+            <a:ext cx="20568" cy="1385047"/>
+          </a:xfrm>
+          <a:prstGeom prst="line">
+            <a:avLst/>
+          </a:prstGeom>
+          <a:ln w="38100">
+            <a:solidFill>
+              <a:srgbClr val="00B0F0"/>
+            </a:solidFill>
+          </a:ln>
+        </p:spPr>
+        <p:style>
+          <a:lnRef idx="1">
+            <a:schemeClr val="accent1"/>
+          </a:lnRef>
+          <a:fillRef idx="0">
+            <a:schemeClr val="accent1"/>
+          </a:fillRef>
+          <a:effectRef idx="0">
+            <a:schemeClr val="accent1"/>
+          </a:effectRef>
+          <a:fontRef idx="minor">
+            <a:schemeClr val="tx1"/>
+          </a:fontRef>
+        </p:style>
+      </p:cxnSp>
+      <p:cxnSp>
+        <p:nvCxnSpPr>
+          <p:cNvPr id="28" name="Conector recto 27">
+            <a:extLst>
+              <a:ext uri="{FF2B5EF4-FFF2-40B4-BE49-F238E27FC236}">
+                <a16:creationId xmlns:a16="http://schemas.microsoft.com/office/drawing/2014/main" id="{6B071E88-9A15-4580-9E16-4114603C5ED0}"/>
+              </a:ext>
+            </a:extLst>
+          </p:cNvPr>
+          <p:cNvCxnSpPr>
+            <a:cxnSpLocks/>
+          </p:cNvCxnSpPr>
+          <p:nvPr/>
+        </p:nvCxnSpPr>
+        <p:spPr>
+          <a:xfrm>
+            <a:off x="9570254" y="1721117"/>
+            <a:ext cx="1164035" cy="718950"/>
+          </a:xfrm>
+          <a:prstGeom prst="line">
+            <a:avLst/>
+          </a:prstGeom>
+        </p:spPr>
+        <p:style>
+          <a:lnRef idx="1">
+            <a:schemeClr val="accent1"/>
+          </a:lnRef>
+          <a:fillRef idx="0">
+            <a:schemeClr val="accent1"/>
+          </a:fillRef>
+          <a:effectRef idx="0">
+            <a:schemeClr val="accent1"/>
+          </a:effectRef>
+          <a:fontRef idx="minor">
+            <a:schemeClr val="tx1"/>
+          </a:fontRef>
+        </p:style>
+      </p:cxnSp>
+      <p:cxnSp>
+        <p:nvCxnSpPr>
+          <p:cNvPr id="37" name="Conector recto 36">
+            <a:extLst>
+              <a:ext uri="{FF2B5EF4-FFF2-40B4-BE49-F238E27FC236}">
+                <a16:creationId xmlns:a16="http://schemas.microsoft.com/office/drawing/2014/main" id="{E9215504-953D-469D-9817-A5E1713A5935}"/>
+              </a:ext>
+            </a:extLst>
+          </p:cNvPr>
+          <p:cNvCxnSpPr>
+            <a:cxnSpLocks/>
+          </p:cNvCxnSpPr>
+          <p:nvPr/>
+        </p:nvCxnSpPr>
+        <p:spPr>
+          <a:xfrm flipH="1">
+            <a:off x="10920347" y="2835967"/>
+            <a:ext cx="1" cy="1186067"/>
+          </a:xfrm>
+          <a:prstGeom prst="line">
+            <a:avLst/>
+          </a:prstGeom>
+        </p:spPr>
+        <p:style>
+          <a:lnRef idx="1">
+            <a:schemeClr val="accent1"/>
+          </a:lnRef>
+          <a:fillRef idx="0">
+            <a:schemeClr val="accent1"/>
+          </a:fillRef>
+          <a:effectRef idx="0">
+            <a:schemeClr val="accent1"/>
+          </a:effectRef>
+          <a:fontRef idx="minor">
+            <a:schemeClr val="tx1"/>
+          </a:fontRef>
+        </p:style>
+      </p:cxnSp>
+      <p:cxnSp>
+        <p:nvCxnSpPr>
+          <p:cNvPr id="38" name="Conector recto 37">
+            <a:extLst>
+              <a:ext uri="{FF2B5EF4-FFF2-40B4-BE49-F238E27FC236}">
+                <a16:creationId xmlns:a16="http://schemas.microsoft.com/office/drawing/2014/main" id="{63D08325-B41B-455C-9D8F-E61EF781AA1F}"/>
+              </a:ext>
+            </a:extLst>
+          </p:cNvPr>
+          <p:cNvCxnSpPr>
+            <a:cxnSpLocks/>
+          </p:cNvCxnSpPr>
+          <p:nvPr/>
+        </p:nvCxnSpPr>
+        <p:spPr>
+          <a:xfrm flipV="1">
+            <a:off x="9551101" y="4417934"/>
+            <a:ext cx="1183188" cy="818339"/>
+          </a:xfrm>
+          <a:prstGeom prst="line">
+            <a:avLst/>
+          </a:prstGeom>
+        </p:spPr>
+        <p:style>
+          <a:lnRef idx="1">
+            <a:schemeClr val="accent1"/>
+          </a:lnRef>
+          <a:fillRef idx="0">
+            <a:schemeClr val="accent1"/>
+          </a:fillRef>
+          <a:effectRef idx="0">
+            <a:schemeClr val="accent1"/>
+          </a:effectRef>
+          <a:fontRef idx="minor">
+            <a:schemeClr val="tx1"/>
+          </a:fontRef>
+        </p:style>
+      </p:cxnSp>
+      <p:sp>
+        <p:nvSpPr>
+          <p:cNvPr id="23" name="Diagrama de flujo: conector 22">
+            <a:extLst>
+              <a:ext uri="{FF2B5EF4-FFF2-40B4-BE49-F238E27FC236}">
+                <a16:creationId xmlns:a16="http://schemas.microsoft.com/office/drawing/2014/main" id="{5C83467A-F102-4090-A43C-9308C3847C60}"/>
+              </a:ext>
+            </a:extLst>
+          </p:cNvPr>
+          <p:cNvSpPr/>
+          <p:nvPr/>
+        </p:nvSpPr>
+        <p:spPr>
+          <a:xfrm>
+            <a:off x="9153541" y="3197087"/>
+            <a:ext cx="490329" cy="463826"/>
+          </a:xfrm>
+          <a:prstGeom prst="flowChartConnector">
+            <a:avLst/>
+          </a:prstGeom>
+          <a:noFill/>
+        </p:spPr>
+        <p:style>
+          <a:lnRef idx="2">
+            <a:schemeClr val="accent1">
+              <a:shade val="50000"/>
+            </a:schemeClr>
+          </a:lnRef>
+          <a:fillRef idx="1">
+            <a:schemeClr val="accent1"/>
+          </a:fillRef>
+          <a:effectRef idx="0">
+            <a:schemeClr val="accent1"/>
+          </a:effectRef>
+          <a:fontRef idx="minor">
+            <a:schemeClr val="lt1"/>
+          </a:fontRef>
+        </p:style>
+        <p:txBody>
+          <a:bodyPr rtlCol="0" anchor="ctr"/>
+          <a:lstStyle/>
+          <a:p>
+            <a:pPr algn="ctr"/>
+            <a:endParaRPr lang="es-CO"/>
+          </a:p>
+        </p:txBody>
+      </p:sp>
+      <p:cxnSp>
+        <p:nvCxnSpPr>
+          <p:cNvPr id="58" name="Conector recto 57">
+            <a:extLst>
+              <a:ext uri="{FF2B5EF4-FFF2-40B4-BE49-F238E27FC236}">
+                <a16:creationId xmlns:a16="http://schemas.microsoft.com/office/drawing/2014/main" id="{1EF31926-71D1-49AF-A37A-23D92F9FF205}"/>
+              </a:ext>
+            </a:extLst>
+          </p:cNvPr>
+          <p:cNvCxnSpPr>
+            <a:cxnSpLocks/>
+            <a:stCxn id="23" idx="4"/>
+            <a:endCxn id="12" idx="0"/>
+          </p:cNvCxnSpPr>
+          <p:nvPr/>
+        </p:nvCxnSpPr>
+        <p:spPr>
+          <a:xfrm flipH="1">
+            <a:off x="9390090" y="3660913"/>
+            <a:ext cx="8616" cy="1523521"/>
+          </a:xfrm>
+          <a:prstGeom prst="line">
+            <a:avLst/>
+          </a:prstGeom>
+        </p:spPr>
+        <p:style>
+          <a:lnRef idx="1">
+            <a:schemeClr val="accent1"/>
+          </a:lnRef>
+          <a:fillRef idx="0">
+            <a:schemeClr val="accent1"/>
+          </a:fillRef>
+          <a:effectRef idx="0">
+            <a:schemeClr val="accent1"/>
+          </a:effectRef>
+          <a:fontRef idx="minor">
+            <a:schemeClr val="tx1"/>
+          </a:fontRef>
+        </p:style>
+      </p:cxnSp>
+      <p:sp>
+        <p:nvSpPr>
+          <p:cNvPr id="66" name="CuadroTexto 65">
+            <a:extLst>
+              <a:ext uri="{FF2B5EF4-FFF2-40B4-BE49-F238E27FC236}">
+                <a16:creationId xmlns:a16="http://schemas.microsoft.com/office/drawing/2014/main" id="{CC9B6CEE-8277-47BF-A825-F6D752DB9FFC}"/>
+              </a:ext>
+            </a:extLst>
+          </p:cNvPr>
+          <p:cNvSpPr txBox="1"/>
+          <p:nvPr/>
+        </p:nvSpPr>
+        <p:spPr>
+          <a:xfrm>
+            <a:off x="8193516" y="2763799"/>
+            <a:ext cx="1447046" cy="338554"/>
+          </a:xfrm>
+          <a:prstGeom prst="rect">
+            <a:avLst/>
+          </a:prstGeom>
+          <a:noFill/>
+        </p:spPr>
+        <p:txBody>
+          <a:bodyPr wrap="square" rtlCol="0">
+            <a:spAutoFit/>
+          </a:bodyPr>
+          <a:lstStyle/>
+          <a:p>
+            <a:r>
+              <a:rPr lang="es-CO" sz="1600" dirty="0"/>
+              <a:t>Sin trancón</a:t>
+            </a:r>
+          </a:p>
+        </p:txBody>
+      </p:sp>
+      <p:sp>
+        <p:nvSpPr>
+          <p:cNvPr id="67" name="CuadroTexto 66">
+            <a:extLst>
+              <a:ext uri="{FF2B5EF4-FFF2-40B4-BE49-F238E27FC236}">
+                <a16:creationId xmlns:a16="http://schemas.microsoft.com/office/drawing/2014/main" id="{DAF59D5D-5CBF-4D45-A4A5-11B9474843A9}"/>
+              </a:ext>
+            </a:extLst>
+          </p:cNvPr>
+          <p:cNvSpPr txBox="1"/>
+          <p:nvPr/>
+        </p:nvSpPr>
+        <p:spPr>
+          <a:xfrm>
+            <a:off x="8376117" y="3782605"/>
+            <a:ext cx="1134145" cy="369332"/>
+          </a:xfrm>
+          <a:prstGeom prst="rect">
+            <a:avLst/>
+          </a:prstGeom>
+          <a:noFill/>
+        </p:spPr>
+        <p:txBody>
+          <a:bodyPr wrap="square" rtlCol="0">
+            <a:spAutoFit/>
+          </a:bodyPr>
+          <a:lstStyle/>
+          <a:p>
+            <a:r>
+              <a:rPr lang="es-CO" dirty="0"/>
+              <a:t>trancón</a:t>
+            </a:r>
+          </a:p>
+        </p:txBody>
+      </p:sp>
+      <p:cxnSp>
+        <p:nvCxnSpPr>
+          <p:cNvPr id="40" name="Conector recto 39">
+            <a:extLst>
+              <a:ext uri="{FF2B5EF4-FFF2-40B4-BE49-F238E27FC236}">
+                <a16:creationId xmlns:a16="http://schemas.microsoft.com/office/drawing/2014/main" id="{7C1BF102-A9B3-4FF7-B27C-E4CF771C6A23}"/>
+              </a:ext>
+            </a:extLst>
+          </p:cNvPr>
+          <p:cNvCxnSpPr>
+            <a:cxnSpLocks/>
+            <a:endCxn id="12" idx="0"/>
+          </p:cNvCxnSpPr>
+          <p:nvPr/>
+        </p:nvCxnSpPr>
+        <p:spPr>
+          <a:xfrm flipH="1">
+            <a:off x="9390090" y="3691227"/>
+            <a:ext cx="17008" cy="1493207"/>
+          </a:xfrm>
+          <a:prstGeom prst="line">
+            <a:avLst/>
+          </a:prstGeom>
+          <a:ln w="38100">
+            <a:solidFill>
+              <a:srgbClr val="00B0F0"/>
+            </a:solidFill>
+          </a:ln>
+        </p:spPr>
+        <p:style>
+          <a:lnRef idx="1">
+            <a:schemeClr val="accent1"/>
+          </a:lnRef>
+          <a:fillRef idx="0">
+            <a:schemeClr val="accent1"/>
+          </a:fillRef>
+          <a:effectRef idx="0">
+            <a:schemeClr val="accent1"/>
+          </a:effectRef>
+          <a:fontRef idx="minor">
+            <a:schemeClr val="tx1"/>
+          </a:fontRef>
+        </p:style>
+      </p:cxnSp>
+      <p:cxnSp>
+        <p:nvCxnSpPr>
+          <p:cNvPr id="41" name="Conector recto 40">
+            <a:extLst>
+              <a:ext uri="{FF2B5EF4-FFF2-40B4-BE49-F238E27FC236}">
+                <a16:creationId xmlns:a16="http://schemas.microsoft.com/office/drawing/2014/main" id="{37574EFD-95DC-4790-921C-2D9F82DBF352}"/>
+              </a:ext>
+            </a:extLst>
+          </p:cNvPr>
+          <p:cNvCxnSpPr>
+            <a:cxnSpLocks/>
+            <a:stCxn id="36" idx="1"/>
+          </p:cNvCxnSpPr>
+          <p:nvPr/>
+        </p:nvCxnSpPr>
+        <p:spPr>
+          <a:xfrm>
+            <a:off x="7998217" y="4517323"/>
+            <a:ext cx="1270699" cy="718950"/>
+          </a:xfrm>
+          <a:prstGeom prst="line">
+            <a:avLst/>
+          </a:prstGeom>
+        </p:spPr>
+        <p:style>
+          <a:lnRef idx="1">
+            <a:schemeClr val="accent1"/>
+          </a:lnRef>
+          <a:fillRef idx="0">
+            <a:schemeClr val="accent1"/>
+          </a:fillRef>
+          <a:effectRef idx="0">
+            <a:schemeClr val="accent1"/>
+          </a:effectRef>
+          <a:fontRef idx="minor">
+            <a:schemeClr val="tx1"/>
+          </a:fontRef>
+        </p:style>
+      </p:cxnSp>
+    </p:spTree>
+    <p:extLst>
+      <p:ext uri="{BB962C8B-B14F-4D97-AF65-F5344CB8AC3E}">
+        <p14:creationId xmlns:p14="http://schemas.microsoft.com/office/powerpoint/2010/main" val="4106420998"/>
       </p:ext>
     </p:extLst>
   </p:cSld>

--- a/Problema de caminos con trancones.pptx
+++ b/Problema de caminos con trancones.pptx
@@ -7,9 +7,8 @@
   <p:sldIdLst>
     <p:sldId id="256" r:id="rId2"/>
     <p:sldId id="257" r:id="rId3"/>
-    <p:sldId id="258" r:id="rId4"/>
-    <p:sldId id="259" r:id="rId5"/>
-    <p:sldId id="260" r:id="rId6"/>
+    <p:sldId id="259" r:id="rId4"/>
+    <p:sldId id="260" r:id="rId5"/>
   </p:sldIdLst>
   <p:sldSz cx="12192000" cy="6858000"/>
   <p:notesSz cx="6858000" cy="9144000"/>
@@ -7723,10 +7722,10 @@
       </p:grpSpPr>
       <p:sp>
         <p:nvSpPr>
-          <p:cNvPr id="45" name="CuadroTexto 44">
+          <p:cNvPr id="48" name="CuadroTexto 47">
             <a:extLst>
               <a:ext uri="{FF2B5EF4-FFF2-40B4-BE49-F238E27FC236}">
-                <a16:creationId xmlns:a16="http://schemas.microsoft.com/office/drawing/2014/main" id="{3DAA10C9-8184-436E-ABE2-8EB25D1C1871}"/>
+                <a16:creationId xmlns:a16="http://schemas.microsoft.com/office/drawing/2014/main" id="{7986EEEE-6577-4706-B7F2-DB96B8762E81}"/>
               </a:ext>
             </a:extLst>
           </p:cNvPr>
@@ -7735,8 +7734,8 @@
         </p:nvSpPr>
         <p:spPr>
           <a:xfrm>
-            <a:off x="10537643" y="1651450"/>
-            <a:ext cx="1493030" cy="369332"/>
+            <a:off x="2239015" y="1681360"/>
+            <a:ext cx="4399358" cy="4493538"/>
           </a:xfrm>
           <a:prstGeom prst="rect">
             <a:avLst/>
@@ -7749,19 +7748,81 @@
           </a:bodyPr>
           <a:lstStyle/>
           <a:p>
+            <a:pPr algn="just"/>
+            <a:r>
+              <a:rPr lang="es-CO" sz="2200" dirty="0"/>
+              <a:t>Considere un grafo el cual representa formas de moverse en  una ciudad entre distintos puntos. Además en los lados que conectan dos puntos puede haber trancón o no.</a:t>
+            </a:r>
+          </a:p>
+          <a:p>
+            <a:pPr algn="just"/>
+            <a:r>
+              <a:rPr lang="es-CO" sz="2200" dirty="0"/>
+              <a:t>Suponga que una persona tolera máximo 2 trancones.</a:t>
+            </a:r>
+          </a:p>
+          <a:p>
+            <a:pPr algn="just"/>
+            <a:endParaRPr lang="es-CO" sz="2200" dirty="0"/>
+          </a:p>
+          <a:p>
+            <a:pPr algn="just"/>
+            <a:r>
+              <a:rPr lang="es-CO" sz="2200" dirty="0"/>
+              <a:t> </a:t>
+            </a:r>
+            <a:r>
+              <a:rPr lang="es-CO" sz="2200" b="1" dirty="0"/>
+              <a:t>¿Existe algún camino por el cual la persona pueda moverse de un punto u a un punto v?</a:t>
+            </a:r>
+          </a:p>
+        </p:txBody>
+      </p:sp>
+      <p:sp>
+        <p:nvSpPr>
+          <p:cNvPr id="49" name="CuadroTexto 48">
+            <a:extLst>
+              <a:ext uri="{FF2B5EF4-FFF2-40B4-BE49-F238E27FC236}">
+                <a16:creationId xmlns:a16="http://schemas.microsoft.com/office/drawing/2014/main" id="{BE6EF1E7-4D80-4B58-86D6-EF75387DFC80}"/>
+              </a:ext>
+            </a:extLst>
+          </p:cNvPr>
+          <p:cNvSpPr txBox="1"/>
+          <p:nvPr/>
+        </p:nvSpPr>
+        <p:spPr>
+          <a:xfrm>
+            <a:off x="2266122" y="910799"/>
+            <a:ext cx="4227080" cy="646331"/>
+          </a:xfrm>
+          <a:prstGeom prst="rect">
+            <a:avLst/>
+          </a:prstGeom>
+          <a:noFill/>
+        </p:spPr>
+        <p:txBody>
+          <a:bodyPr wrap="square" rtlCol="0">
+            <a:spAutoFit/>
+          </a:bodyPr>
+          <a:lstStyle/>
+          <a:p>
+            <a:r>
+              <a:rPr lang="es-CO" sz="3600" dirty="0"/>
+              <a:t>Problema</a:t>
+            </a:r>
             <a:r>
               <a:rPr lang="es-CO" dirty="0"/>
-              <a:t>Sin trancón</a:t>
+              <a:t>:</a:t>
             </a:r>
           </a:p>
         </p:txBody>
       </p:sp>
       <p:grpSp>
         <p:nvGrpSpPr>
-          <p:cNvPr id="50" name="Grupo 49">
+          <p:cNvPr id="54" name="Grupo 53">
             <a:extLst>
               <a:ext uri="{FF2B5EF4-FFF2-40B4-BE49-F238E27FC236}">
-                <a16:creationId xmlns:a16="http://schemas.microsoft.com/office/drawing/2014/main" id="{2BB6A6AB-ADF0-4C64-A77F-58B5E48BCFE4}"/>
+                <a16:creationId xmlns:a16="http://schemas.microsoft.com/office/drawing/2014/main" id="{C38373EE-0AD4-4330-BA01-D50D9D63A0A0}"/>
               </a:ext>
             </a:extLst>
           </p:cNvPr>
@@ -7771,11 +7832,46 @@
         <p:grpSpPr>
           <a:xfrm>
             <a:off x="7748061" y="1325217"/>
-            <a:ext cx="4044325" cy="4306956"/>
+            <a:ext cx="4282612" cy="4334526"/>
             <a:chOff x="7748061" y="1325217"/>
-            <a:chExt cx="4044325" cy="4306956"/>
+            <a:chExt cx="4282612" cy="4334526"/>
           </a:xfrm>
         </p:grpSpPr>
+        <p:sp>
+          <p:nvSpPr>
+            <p:cNvPr id="45" name="CuadroTexto 44">
+              <a:extLst>
+                <a:ext uri="{FF2B5EF4-FFF2-40B4-BE49-F238E27FC236}">
+                  <a16:creationId xmlns:a16="http://schemas.microsoft.com/office/drawing/2014/main" id="{3DAA10C9-8184-436E-ABE2-8EB25D1C1871}"/>
+                </a:ext>
+              </a:extLst>
+            </p:cNvPr>
+            <p:cNvSpPr txBox="1"/>
+            <p:nvPr/>
+          </p:nvSpPr>
+          <p:spPr>
+            <a:xfrm>
+              <a:off x="10537643" y="1651450"/>
+              <a:ext cx="1493030" cy="369332"/>
+            </a:xfrm>
+            <a:prstGeom prst="rect">
+              <a:avLst/>
+            </a:prstGeom>
+            <a:noFill/>
+          </p:spPr>
+          <p:txBody>
+            <a:bodyPr wrap="square" rtlCol="0">
+              <a:spAutoFit/>
+            </a:bodyPr>
+            <a:lstStyle/>
+            <a:p>
+              <a:r>
+                <a:rPr lang="es-CO" dirty="0"/>
+                <a:t>Sin trancón</a:t>
+              </a:r>
+            </a:p>
+          </p:txBody>
+        </p:sp>
         <p:grpSp>
           <p:nvGrpSpPr>
             <p:cNvPr id="21" name="Grupo 20">
@@ -7853,6 +7949,7 @@
                 </a:extLst>
               </p:cNvPr>
               <p:cNvCxnSpPr>
+                <a:cxnSpLocks/>
                 <a:stCxn id="2" idx="3"/>
               </p:cNvCxnSpPr>
               <p:nvPr/>
@@ -7891,6 +7988,7 @@
                 </a:extLst>
               </p:cNvPr>
               <p:cNvCxnSpPr>
+                <a:cxnSpLocks/>
                 <a:stCxn id="2" idx="5"/>
               </p:cNvCxnSpPr>
               <p:nvPr/>
@@ -8016,324 +8114,6 @@
         </p:grpSp>
         <p:grpSp>
           <p:nvGrpSpPr>
-            <p:cNvPr id="12" name="Grupo 11">
-              <a:extLst>
-                <a:ext uri="{FF2B5EF4-FFF2-40B4-BE49-F238E27FC236}">
-                  <a16:creationId xmlns:a16="http://schemas.microsoft.com/office/drawing/2014/main" id="{42D3013E-476B-4D1B-93E6-8FE036A8F6A0}"/>
-                </a:ext>
-              </a:extLst>
-            </p:cNvPr>
-            <p:cNvGrpSpPr/>
-            <p:nvPr/>
-          </p:nvGrpSpPr>
-          <p:grpSpPr>
-            <a:xfrm>
-              <a:off x="8209722" y="3180526"/>
-              <a:ext cx="106013" cy="695742"/>
-              <a:chOff x="8236229" y="3485323"/>
-              <a:chExt cx="106013" cy="695742"/>
-            </a:xfrm>
-          </p:grpSpPr>
-          <p:sp>
-            <p:nvSpPr>
-              <p:cNvPr id="9" name="Elipse 8">
-                <a:extLst>
-                  <a:ext uri="{FF2B5EF4-FFF2-40B4-BE49-F238E27FC236}">
-                    <a16:creationId xmlns:a16="http://schemas.microsoft.com/office/drawing/2014/main" id="{91230205-5E3C-4847-AEDA-5D7BE4E4DEC2}"/>
-                  </a:ext>
-                </a:extLst>
-              </p:cNvPr>
-              <p:cNvSpPr/>
-              <p:nvPr/>
-            </p:nvSpPr>
-            <p:spPr>
-              <a:xfrm>
-                <a:off x="8242854" y="3485323"/>
-                <a:ext cx="92764" cy="132521"/>
-              </a:xfrm>
-              <a:prstGeom prst="ellipse">
-                <a:avLst/>
-              </a:prstGeom>
-            </p:spPr>
-            <p:style>
-              <a:lnRef idx="2">
-                <a:schemeClr val="accent1">
-                  <a:shade val="50000"/>
-                </a:schemeClr>
-              </a:lnRef>
-              <a:fillRef idx="1">
-                <a:schemeClr val="accent1"/>
-              </a:fillRef>
-              <a:effectRef idx="0">
-                <a:schemeClr val="accent1"/>
-              </a:effectRef>
-              <a:fontRef idx="minor">
-                <a:schemeClr val="lt1"/>
-              </a:fontRef>
-            </p:style>
-            <p:txBody>
-              <a:bodyPr rtlCol="0" anchor="ctr"/>
-              <a:lstStyle/>
-              <a:p>
-                <a:pPr algn="ctr"/>
-                <a:endParaRPr lang="es-CO"/>
-              </a:p>
-            </p:txBody>
-          </p:sp>
-          <p:sp>
-            <p:nvSpPr>
-              <p:cNvPr id="10" name="Elipse 9">
-                <a:extLst>
-                  <a:ext uri="{FF2B5EF4-FFF2-40B4-BE49-F238E27FC236}">
-                    <a16:creationId xmlns:a16="http://schemas.microsoft.com/office/drawing/2014/main" id="{0F9BFF4E-B3E9-4008-80F1-EF0E56BAB1C0}"/>
-                  </a:ext>
-                </a:extLst>
-              </p:cNvPr>
-              <p:cNvSpPr/>
-              <p:nvPr/>
-            </p:nvSpPr>
-            <p:spPr>
-              <a:xfrm>
-                <a:off x="8236229" y="3743740"/>
-                <a:ext cx="92764" cy="132521"/>
-              </a:xfrm>
-              <a:prstGeom prst="ellipse">
-                <a:avLst/>
-              </a:prstGeom>
-            </p:spPr>
-            <p:style>
-              <a:lnRef idx="2">
-                <a:schemeClr val="accent1">
-                  <a:shade val="50000"/>
-                </a:schemeClr>
-              </a:lnRef>
-              <a:fillRef idx="1">
-                <a:schemeClr val="accent1"/>
-              </a:fillRef>
-              <a:effectRef idx="0">
-                <a:schemeClr val="accent1"/>
-              </a:effectRef>
-              <a:fontRef idx="minor">
-                <a:schemeClr val="lt1"/>
-              </a:fontRef>
-            </p:style>
-            <p:txBody>
-              <a:bodyPr rtlCol="0" anchor="ctr"/>
-              <a:lstStyle/>
-              <a:p>
-                <a:pPr algn="ctr"/>
-                <a:endParaRPr lang="es-CO"/>
-              </a:p>
-            </p:txBody>
-          </p:sp>
-          <p:sp>
-            <p:nvSpPr>
-              <p:cNvPr id="11" name="Elipse 10">
-                <a:extLst>
-                  <a:ext uri="{FF2B5EF4-FFF2-40B4-BE49-F238E27FC236}">
-                    <a16:creationId xmlns:a16="http://schemas.microsoft.com/office/drawing/2014/main" id="{91810124-110E-441A-98CA-01849F0BD622}"/>
-                  </a:ext>
-                </a:extLst>
-              </p:cNvPr>
-              <p:cNvSpPr/>
-              <p:nvPr/>
-            </p:nvSpPr>
-            <p:spPr>
-              <a:xfrm>
-                <a:off x="8249478" y="4048544"/>
-                <a:ext cx="92764" cy="132521"/>
-              </a:xfrm>
-              <a:prstGeom prst="ellipse">
-                <a:avLst/>
-              </a:prstGeom>
-            </p:spPr>
-            <p:style>
-              <a:lnRef idx="2">
-                <a:schemeClr val="accent1">
-                  <a:shade val="50000"/>
-                </a:schemeClr>
-              </a:lnRef>
-              <a:fillRef idx="1">
-                <a:schemeClr val="accent1"/>
-              </a:fillRef>
-              <a:effectRef idx="0">
-                <a:schemeClr val="accent1"/>
-              </a:effectRef>
-              <a:fontRef idx="minor">
-                <a:schemeClr val="lt1"/>
-              </a:fontRef>
-            </p:style>
-            <p:txBody>
-              <a:bodyPr rtlCol="0" anchor="ctr"/>
-              <a:lstStyle/>
-              <a:p>
-                <a:pPr algn="ctr"/>
-                <a:endParaRPr lang="es-CO"/>
-              </a:p>
-            </p:txBody>
-          </p:sp>
-        </p:grpSp>
-        <p:grpSp>
-          <p:nvGrpSpPr>
-            <p:cNvPr id="13" name="Grupo 12">
-              <a:extLst>
-                <a:ext uri="{FF2B5EF4-FFF2-40B4-BE49-F238E27FC236}">
-                  <a16:creationId xmlns:a16="http://schemas.microsoft.com/office/drawing/2014/main" id="{A369A1A1-E9EC-4E64-A0AE-A474D33F66F7}"/>
-                </a:ext>
-              </a:extLst>
-            </p:cNvPr>
-            <p:cNvGrpSpPr/>
-            <p:nvPr/>
-          </p:nvGrpSpPr>
-          <p:grpSpPr>
-            <a:xfrm>
-              <a:off x="11357114" y="3134146"/>
-              <a:ext cx="106013" cy="695742"/>
-              <a:chOff x="8236229" y="3485323"/>
-              <a:chExt cx="106013" cy="695742"/>
-            </a:xfrm>
-          </p:grpSpPr>
-          <p:sp>
-            <p:nvSpPr>
-              <p:cNvPr id="14" name="Elipse 13">
-                <a:extLst>
-                  <a:ext uri="{FF2B5EF4-FFF2-40B4-BE49-F238E27FC236}">
-                    <a16:creationId xmlns:a16="http://schemas.microsoft.com/office/drawing/2014/main" id="{617C2BB9-E14E-4581-8C83-BE1691BD22DA}"/>
-                  </a:ext>
-                </a:extLst>
-              </p:cNvPr>
-              <p:cNvSpPr/>
-              <p:nvPr/>
-            </p:nvSpPr>
-            <p:spPr>
-              <a:xfrm>
-                <a:off x="8242854" y="3485323"/>
-                <a:ext cx="92764" cy="132521"/>
-              </a:xfrm>
-              <a:prstGeom prst="ellipse">
-                <a:avLst/>
-              </a:prstGeom>
-            </p:spPr>
-            <p:style>
-              <a:lnRef idx="2">
-                <a:schemeClr val="accent1">
-                  <a:shade val="50000"/>
-                </a:schemeClr>
-              </a:lnRef>
-              <a:fillRef idx="1">
-                <a:schemeClr val="accent1"/>
-              </a:fillRef>
-              <a:effectRef idx="0">
-                <a:schemeClr val="accent1"/>
-              </a:effectRef>
-              <a:fontRef idx="minor">
-                <a:schemeClr val="lt1"/>
-              </a:fontRef>
-            </p:style>
-            <p:txBody>
-              <a:bodyPr rtlCol="0" anchor="ctr"/>
-              <a:lstStyle/>
-              <a:p>
-                <a:pPr algn="ctr"/>
-                <a:endParaRPr lang="es-CO"/>
-              </a:p>
-            </p:txBody>
-          </p:sp>
-          <p:sp>
-            <p:nvSpPr>
-              <p:cNvPr id="15" name="Elipse 14">
-                <a:extLst>
-                  <a:ext uri="{FF2B5EF4-FFF2-40B4-BE49-F238E27FC236}">
-                    <a16:creationId xmlns:a16="http://schemas.microsoft.com/office/drawing/2014/main" id="{1333F09B-C2EB-4FE8-B280-4FFB1676E3E7}"/>
-                  </a:ext>
-                </a:extLst>
-              </p:cNvPr>
-              <p:cNvSpPr/>
-              <p:nvPr/>
-            </p:nvSpPr>
-            <p:spPr>
-              <a:xfrm>
-                <a:off x="8236229" y="3743740"/>
-                <a:ext cx="92764" cy="132521"/>
-              </a:xfrm>
-              <a:prstGeom prst="ellipse">
-                <a:avLst/>
-              </a:prstGeom>
-            </p:spPr>
-            <p:style>
-              <a:lnRef idx="2">
-                <a:schemeClr val="accent1">
-                  <a:shade val="50000"/>
-                </a:schemeClr>
-              </a:lnRef>
-              <a:fillRef idx="1">
-                <a:schemeClr val="accent1"/>
-              </a:fillRef>
-              <a:effectRef idx="0">
-                <a:schemeClr val="accent1"/>
-              </a:effectRef>
-              <a:fontRef idx="minor">
-                <a:schemeClr val="lt1"/>
-              </a:fontRef>
-            </p:style>
-            <p:txBody>
-              <a:bodyPr rtlCol="0" anchor="ctr"/>
-              <a:lstStyle/>
-              <a:p>
-                <a:pPr algn="ctr"/>
-                <a:endParaRPr lang="es-CO"/>
-              </a:p>
-            </p:txBody>
-          </p:sp>
-          <p:sp>
-            <p:nvSpPr>
-              <p:cNvPr id="16" name="Elipse 15">
-                <a:extLst>
-                  <a:ext uri="{FF2B5EF4-FFF2-40B4-BE49-F238E27FC236}">
-                    <a16:creationId xmlns:a16="http://schemas.microsoft.com/office/drawing/2014/main" id="{6E65A680-E1D9-4112-A211-F8AD3277674C}"/>
-                  </a:ext>
-                </a:extLst>
-              </p:cNvPr>
-              <p:cNvSpPr/>
-              <p:nvPr/>
-            </p:nvSpPr>
-            <p:spPr>
-              <a:xfrm>
-                <a:off x="8249478" y="4048544"/>
-                <a:ext cx="92764" cy="132521"/>
-              </a:xfrm>
-              <a:prstGeom prst="ellipse">
-                <a:avLst/>
-              </a:prstGeom>
-            </p:spPr>
-            <p:style>
-              <a:lnRef idx="2">
-                <a:schemeClr val="accent1">
-                  <a:shade val="50000"/>
-                </a:schemeClr>
-              </a:lnRef>
-              <a:fillRef idx="1">
-                <a:schemeClr val="accent1"/>
-              </a:fillRef>
-              <a:effectRef idx="0">
-                <a:schemeClr val="accent1"/>
-              </a:effectRef>
-              <a:fontRef idx="minor">
-                <a:schemeClr val="lt1"/>
-              </a:fontRef>
-            </p:style>
-            <p:txBody>
-              <a:bodyPr rtlCol="0" anchor="ctr"/>
-              <a:lstStyle/>
-              <a:p>
-                <a:pPr algn="ctr"/>
-                <a:endParaRPr lang="es-CO"/>
-              </a:p>
-            </p:txBody>
-          </p:sp>
-        </p:grpSp>
-        <p:grpSp>
-          <p:nvGrpSpPr>
             <p:cNvPr id="22" name="Grupo 21">
               <a:extLst>
                 <a:ext uri="{FF2B5EF4-FFF2-40B4-BE49-F238E27FC236}">
@@ -8346,7 +8126,7 @@
           </p:nvGrpSpPr>
           <p:grpSpPr>
             <a:xfrm rot="10800000">
-              <a:off x="8104425" y="4022034"/>
+              <a:off x="8024193" y="4049604"/>
               <a:ext cx="3611220" cy="1610139"/>
               <a:chOff x="8024193" y="1325217"/>
               <a:chExt cx="3611220" cy="1610139"/>
@@ -8409,6 +8189,7 @@
                 </a:extLst>
               </p:cNvPr>
               <p:cNvCxnSpPr>
+                <a:cxnSpLocks/>
                 <a:stCxn id="23" idx="3"/>
               </p:cNvCxnSpPr>
               <p:nvPr/>
@@ -8447,6 +8228,7 @@
                 </a:extLst>
               </p:cNvPr>
               <p:cNvCxnSpPr>
+                <a:cxnSpLocks/>
                 <a:stCxn id="23" idx="5"/>
               </p:cNvCxnSpPr>
               <p:nvPr/>
@@ -8570,684 +8352,6 @@
             </p:txBody>
           </p:sp>
         </p:grpSp>
-        <p:grpSp>
-          <p:nvGrpSpPr>
-            <p:cNvPr id="32" name="Grupo 31">
-              <a:extLst>
-                <a:ext uri="{FF2B5EF4-FFF2-40B4-BE49-F238E27FC236}">
-                  <a16:creationId xmlns:a16="http://schemas.microsoft.com/office/drawing/2014/main" id="{DF38461E-424E-4BBE-A6CD-9AA698B66E69}"/>
-                </a:ext>
-              </a:extLst>
-            </p:cNvPr>
-            <p:cNvGrpSpPr/>
-            <p:nvPr/>
-          </p:nvGrpSpPr>
-          <p:grpSpPr>
-            <a:xfrm>
-              <a:off x="9043532" y="4282800"/>
-              <a:ext cx="1585143" cy="147725"/>
-              <a:chOff x="9043532" y="4282800"/>
-              <a:chExt cx="1585143" cy="147725"/>
-            </a:xfrm>
-          </p:grpSpPr>
-          <p:grpSp>
-            <p:nvGrpSpPr>
-              <p:cNvPr id="17" name="Grupo 16">
-                <a:extLst>
-                  <a:ext uri="{FF2B5EF4-FFF2-40B4-BE49-F238E27FC236}">
-                    <a16:creationId xmlns:a16="http://schemas.microsoft.com/office/drawing/2014/main" id="{1B21489B-8DB8-4953-8DA9-10CD920ECE34}"/>
-                  </a:ext>
-                </a:extLst>
-              </p:cNvPr>
-              <p:cNvGrpSpPr/>
-              <p:nvPr/>
-            </p:nvGrpSpPr>
-            <p:grpSpPr>
-              <a:xfrm rot="5400000">
-                <a:off x="9320851" y="4012103"/>
-                <a:ext cx="141103" cy="695742"/>
-                <a:chOff x="8236229" y="3485323"/>
-                <a:chExt cx="106013" cy="695742"/>
-              </a:xfrm>
-            </p:grpSpPr>
-            <p:sp>
-              <p:nvSpPr>
-                <p:cNvPr id="18" name="Elipse 17">
-                  <a:extLst>
-                    <a:ext uri="{FF2B5EF4-FFF2-40B4-BE49-F238E27FC236}">
-                      <a16:creationId xmlns:a16="http://schemas.microsoft.com/office/drawing/2014/main" id="{14904081-054B-434A-9C5C-FF42A41845E5}"/>
-                    </a:ext>
-                  </a:extLst>
-                </p:cNvPr>
-                <p:cNvSpPr/>
-                <p:nvPr/>
-              </p:nvSpPr>
-              <p:spPr>
-                <a:xfrm>
-                  <a:off x="8242854" y="3485323"/>
-                  <a:ext cx="92764" cy="132521"/>
-                </a:xfrm>
-                <a:prstGeom prst="ellipse">
-                  <a:avLst/>
-                </a:prstGeom>
-              </p:spPr>
-              <p:style>
-                <a:lnRef idx="2">
-                  <a:schemeClr val="accent1">
-                    <a:shade val="50000"/>
-                  </a:schemeClr>
-                </a:lnRef>
-                <a:fillRef idx="1">
-                  <a:schemeClr val="accent1"/>
-                </a:fillRef>
-                <a:effectRef idx="0">
-                  <a:schemeClr val="accent1"/>
-                </a:effectRef>
-                <a:fontRef idx="minor">
-                  <a:schemeClr val="lt1"/>
-                </a:fontRef>
-              </p:style>
-              <p:txBody>
-                <a:bodyPr rtlCol="0" anchor="ctr"/>
-                <a:lstStyle/>
-                <a:p>
-                  <a:pPr algn="ctr"/>
-                  <a:endParaRPr lang="es-CO"/>
-                </a:p>
-              </p:txBody>
-            </p:sp>
-            <p:sp>
-              <p:nvSpPr>
-                <p:cNvPr id="19" name="Elipse 18">
-                  <a:extLst>
-                    <a:ext uri="{FF2B5EF4-FFF2-40B4-BE49-F238E27FC236}">
-                      <a16:creationId xmlns:a16="http://schemas.microsoft.com/office/drawing/2014/main" id="{7589EC5F-BFAF-47D4-9B6D-3BFA51CA3008}"/>
-                    </a:ext>
-                  </a:extLst>
-                </p:cNvPr>
-                <p:cNvSpPr/>
-                <p:nvPr/>
-              </p:nvSpPr>
-              <p:spPr>
-                <a:xfrm>
-                  <a:off x="8236229" y="3743740"/>
-                  <a:ext cx="92764" cy="132521"/>
-                </a:xfrm>
-                <a:prstGeom prst="ellipse">
-                  <a:avLst/>
-                </a:prstGeom>
-              </p:spPr>
-              <p:style>
-                <a:lnRef idx="2">
-                  <a:schemeClr val="accent1">
-                    <a:shade val="50000"/>
-                  </a:schemeClr>
-                </a:lnRef>
-                <a:fillRef idx="1">
-                  <a:schemeClr val="accent1"/>
-                </a:fillRef>
-                <a:effectRef idx="0">
-                  <a:schemeClr val="accent1"/>
-                </a:effectRef>
-                <a:fontRef idx="minor">
-                  <a:schemeClr val="lt1"/>
-                </a:fontRef>
-              </p:style>
-              <p:txBody>
-                <a:bodyPr rtlCol="0" anchor="ctr"/>
-                <a:lstStyle/>
-                <a:p>
-                  <a:pPr algn="ctr"/>
-                  <a:endParaRPr lang="es-CO"/>
-                </a:p>
-              </p:txBody>
-            </p:sp>
-            <p:sp>
-              <p:nvSpPr>
-                <p:cNvPr id="20" name="Elipse 19">
-                  <a:extLst>
-                    <a:ext uri="{FF2B5EF4-FFF2-40B4-BE49-F238E27FC236}">
-                      <a16:creationId xmlns:a16="http://schemas.microsoft.com/office/drawing/2014/main" id="{324F4158-AE81-4378-85E6-E75B15A65B61}"/>
-                    </a:ext>
-                  </a:extLst>
-                </p:cNvPr>
-                <p:cNvSpPr/>
-                <p:nvPr/>
-              </p:nvSpPr>
-              <p:spPr>
-                <a:xfrm>
-                  <a:off x="8249478" y="4048544"/>
-                  <a:ext cx="92764" cy="132521"/>
-                </a:xfrm>
-                <a:prstGeom prst="ellipse">
-                  <a:avLst/>
-                </a:prstGeom>
-              </p:spPr>
-              <p:style>
-                <a:lnRef idx="2">
-                  <a:schemeClr val="accent1">
-                    <a:shade val="50000"/>
-                  </a:schemeClr>
-                </a:lnRef>
-                <a:fillRef idx="1">
-                  <a:schemeClr val="accent1"/>
-                </a:fillRef>
-                <a:effectRef idx="0">
-                  <a:schemeClr val="accent1"/>
-                </a:effectRef>
-                <a:fontRef idx="minor">
-                  <a:schemeClr val="lt1"/>
-                </a:fontRef>
-              </p:style>
-              <p:txBody>
-                <a:bodyPr rtlCol="0" anchor="ctr"/>
-                <a:lstStyle/>
-                <a:p>
-                  <a:pPr algn="ctr"/>
-                  <a:endParaRPr lang="es-CO"/>
-                </a:p>
-              </p:txBody>
-            </p:sp>
-          </p:grpSp>
-          <p:grpSp>
-            <p:nvGrpSpPr>
-              <p:cNvPr id="28" name="Grupo 27">
-                <a:extLst>
-                  <a:ext uri="{FF2B5EF4-FFF2-40B4-BE49-F238E27FC236}">
-                    <a16:creationId xmlns:a16="http://schemas.microsoft.com/office/drawing/2014/main" id="{F0AC7B2B-8830-4B2F-BEC8-D2DAA33D8D3C}"/>
-                  </a:ext>
-                </a:extLst>
-              </p:cNvPr>
-              <p:cNvGrpSpPr/>
-              <p:nvPr/>
-            </p:nvGrpSpPr>
-            <p:grpSpPr>
-              <a:xfrm rot="5400000">
-                <a:off x="10241877" y="4037105"/>
-                <a:ext cx="141103" cy="632493"/>
-                <a:chOff x="8236229" y="3485323"/>
-                <a:chExt cx="106013" cy="695742"/>
-              </a:xfrm>
-            </p:grpSpPr>
-            <p:sp>
-              <p:nvSpPr>
-                <p:cNvPr id="29" name="Elipse 28">
-                  <a:extLst>
-                    <a:ext uri="{FF2B5EF4-FFF2-40B4-BE49-F238E27FC236}">
-                      <a16:creationId xmlns:a16="http://schemas.microsoft.com/office/drawing/2014/main" id="{4FD646BA-5FEA-4F39-B8D7-108FAEA8B93D}"/>
-                    </a:ext>
-                  </a:extLst>
-                </p:cNvPr>
-                <p:cNvSpPr/>
-                <p:nvPr/>
-              </p:nvSpPr>
-              <p:spPr>
-                <a:xfrm>
-                  <a:off x="8242854" y="3485323"/>
-                  <a:ext cx="92764" cy="132521"/>
-                </a:xfrm>
-                <a:prstGeom prst="ellipse">
-                  <a:avLst/>
-                </a:prstGeom>
-              </p:spPr>
-              <p:style>
-                <a:lnRef idx="2">
-                  <a:schemeClr val="accent1">
-                    <a:shade val="50000"/>
-                  </a:schemeClr>
-                </a:lnRef>
-                <a:fillRef idx="1">
-                  <a:schemeClr val="accent1"/>
-                </a:fillRef>
-                <a:effectRef idx="0">
-                  <a:schemeClr val="accent1"/>
-                </a:effectRef>
-                <a:fontRef idx="minor">
-                  <a:schemeClr val="lt1"/>
-                </a:fontRef>
-              </p:style>
-              <p:txBody>
-                <a:bodyPr rtlCol="0" anchor="ctr"/>
-                <a:lstStyle/>
-                <a:p>
-                  <a:pPr algn="ctr"/>
-                  <a:endParaRPr lang="es-CO"/>
-                </a:p>
-              </p:txBody>
-            </p:sp>
-            <p:sp>
-              <p:nvSpPr>
-                <p:cNvPr id="30" name="Elipse 29">
-                  <a:extLst>
-                    <a:ext uri="{FF2B5EF4-FFF2-40B4-BE49-F238E27FC236}">
-                      <a16:creationId xmlns:a16="http://schemas.microsoft.com/office/drawing/2014/main" id="{EF7C3CAB-107E-4F17-A09A-9BE48ED2C235}"/>
-                    </a:ext>
-                  </a:extLst>
-                </p:cNvPr>
-                <p:cNvSpPr/>
-                <p:nvPr/>
-              </p:nvSpPr>
-              <p:spPr>
-                <a:xfrm>
-                  <a:off x="8236229" y="3743740"/>
-                  <a:ext cx="92764" cy="132521"/>
-                </a:xfrm>
-                <a:prstGeom prst="ellipse">
-                  <a:avLst/>
-                </a:prstGeom>
-              </p:spPr>
-              <p:style>
-                <a:lnRef idx="2">
-                  <a:schemeClr val="accent1">
-                    <a:shade val="50000"/>
-                  </a:schemeClr>
-                </a:lnRef>
-                <a:fillRef idx="1">
-                  <a:schemeClr val="accent1"/>
-                </a:fillRef>
-                <a:effectRef idx="0">
-                  <a:schemeClr val="accent1"/>
-                </a:effectRef>
-                <a:fontRef idx="minor">
-                  <a:schemeClr val="lt1"/>
-                </a:fontRef>
-              </p:style>
-              <p:txBody>
-                <a:bodyPr rtlCol="0" anchor="ctr"/>
-                <a:lstStyle/>
-                <a:p>
-                  <a:pPr algn="ctr"/>
-                  <a:endParaRPr lang="es-CO"/>
-                </a:p>
-              </p:txBody>
-            </p:sp>
-            <p:sp>
-              <p:nvSpPr>
-                <p:cNvPr id="31" name="Elipse 30">
-                  <a:extLst>
-                    <a:ext uri="{FF2B5EF4-FFF2-40B4-BE49-F238E27FC236}">
-                      <a16:creationId xmlns:a16="http://schemas.microsoft.com/office/drawing/2014/main" id="{9FB3E826-E118-43D6-84FF-47CEF4C3B9AD}"/>
-                    </a:ext>
-                  </a:extLst>
-                </p:cNvPr>
-                <p:cNvSpPr/>
-                <p:nvPr/>
-              </p:nvSpPr>
-              <p:spPr>
-                <a:xfrm>
-                  <a:off x="8249478" y="4048544"/>
-                  <a:ext cx="92764" cy="132521"/>
-                </a:xfrm>
-                <a:prstGeom prst="ellipse">
-                  <a:avLst/>
-                </a:prstGeom>
-              </p:spPr>
-              <p:style>
-                <a:lnRef idx="2">
-                  <a:schemeClr val="accent1">
-                    <a:shade val="50000"/>
-                  </a:schemeClr>
-                </a:lnRef>
-                <a:fillRef idx="1">
-                  <a:schemeClr val="accent1"/>
-                </a:fillRef>
-                <a:effectRef idx="0">
-                  <a:schemeClr val="accent1"/>
-                </a:effectRef>
-                <a:fontRef idx="minor">
-                  <a:schemeClr val="lt1"/>
-                </a:fontRef>
-              </p:style>
-              <p:txBody>
-                <a:bodyPr rtlCol="0" anchor="ctr"/>
-                <a:lstStyle/>
-                <a:p>
-                  <a:pPr algn="ctr"/>
-                  <a:endParaRPr lang="es-CO"/>
-                </a:p>
-              </p:txBody>
-            </p:sp>
-          </p:grpSp>
-        </p:grpSp>
-        <p:grpSp>
-          <p:nvGrpSpPr>
-            <p:cNvPr id="33" name="Grupo 32">
-              <a:extLst>
-                <a:ext uri="{FF2B5EF4-FFF2-40B4-BE49-F238E27FC236}">
-                  <a16:creationId xmlns:a16="http://schemas.microsoft.com/office/drawing/2014/main" id="{6F47F361-743F-4D67-8507-23F1539D480E}"/>
-                </a:ext>
-              </a:extLst>
-            </p:cNvPr>
-            <p:cNvGrpSpPr/>
-            <p:nvPr/>
-          </p:nvGrpSpPr>
-          <p:grpSpPr>
-            <a:xfrm>
-              <a:off x="9086924" y="2578709"/>
-              <a:ext cx="1585142" cy="147629"/>
-              <a:chOff x="9043533" y="4282800"/>
-              <a:chExt cx="1585142" cy="147629"/>
-            </a:xfrm>
-          </p:grpSpPr>
-          <p:grpSp>
-            <p:nvGrpSpPr>
-              <p:cNvPr id="34" name="Grupo 33">
-                <a:extLst>
-                  <a:ext uri="{FF2B5EF4-FFF2-40B4-BE49-F238E27FC236}">
-                    <a16:creationId xmlns:a16="http://schemas.microsoft.com/office/drawing/2014/main" id="{CE0B0F29-18BA-497C-AC0B-C8532233B6F4}"/>
-                  </a:ext>
-                </a:extLst>
-              </p:cNvPr>
-              <p:cNvGrpSpPr/>
-              <p:nvPr/>
-            </p:nvGrpSpPr>
-            <p:grpSpPr>
-              <a:xfrm rot="5400000">
-                <a:off x="9325262" y="4016416"/>
-                <a:ext cx="132284" cy="695742"/>
-                <a:chOff x="8242854" y="3485323"/>
-                <a:chExt cx="99388" cy="695742"/>
-              </a:xfrm>
-            </p:grpSpPr>
-            <p:sp>
-              <p:nvSpPr>
-                <p:cNvPr id="39" name="Elipse 38">
-                  <a:extLst>
-                    <a:ext uri="{FF2B5EF4-FFF2-40B4-BE49-F238E27FC236}">
-                      <a16:creationId xmlns:a16="http://schemas.microsoft.com/office/drawing/2014/main" id="{939F1AED-37DB-419B-872B-49EB5CCFAADB}"/>
-                    </a:ext>
-                  </a:extLst>
-                </p:cNvPr>
-                <p:cNvSpPr/>
-                <p:nvPr/>
-              </p:nvSpPr>
-              <p:spPr>
-                <a:xfrm>
-                  <a:off x="8242854" y="3485323"/>
-                  <a:ext cx="92764" cy="132521"/>
-                </a:xfrm>
-                <a:prstGeom prst="ellipse">
-                  <a:avLst/>
-                </a:prstGeom>
-              </p:spPr>
-              <p:style>
-                <a:lnRef idx="2">
-                  <a:schemeClr val="accent1">
-                    <a:shade val="50000"/>
-                  </a:schemeClr>
-                </a:lnRef>
-                <a:fillRef idx="1">
-                  <a:schemeClr val="accent1"/>
-                </a:fillRef>
-                <a:effectRef idx="0">
-                  <a:schemeClr val="accent1"/>
-                </a:effectRef>
-                <a:fontRef idx="minor">
-                  <a:schemeClr val="lt1"/>
-                </a:fontRef>
-              </p:style>
-              <p:txBody>
-                <a:bodyPr rtlCol="0" anchor="ctr"/>
-                <a:lstStyle/>
-                <a:p>
-                  <a:pPr algn="ctr"/>
-                  <a:endParaRPr lang="es-CO"/>
-                </a:p>
-              </p:txBody>
-            </p:sp>
-            <p:sp>
-              <p:nvSpPr>
-                <p:cNvPr id="40" name="Elipse 39">
-                  <a:extLst>
-                    <a:ext uri="{FF2B5EF4-FFF2-40B4-BE49-F238E27FC236}">
-                      <a16:creationId xmlns:a16="http://schemas.microsoft.com/office/drawing/2014/main" id="{8EDA3438-0DCF-4D9C-90D4-1E086BC45E88}"/>
-                    </a:ext>
-                  </a:extLst>
-                </p:cNvPr>
-                <p:cNvSpPr/>
-                <p:nvPr/>
-              </p:nvSpPr>
-              <p:spPr>
-                <a:xfrm>
-                  <a:off x="8244298" y="3743745"/>
-                  <a:ext cx="76666" cy="132521"/>
-                </a:xfrm>
-                <a:prstGeom prst="ellipse">
-                  <a:avLst/>
-                </a:prstGeom>
-              </p:spPr>
-              <p:style>
-                <a:lnRef idx="2">
-                  <a:schemeClr val="accent1">
-                    <a:shade val="50000"/>
-                  </a:schemeClr>
-                </a:lnRef>
-                <a:fillRef idx="1">
-                  <a:schemeClr val="accent1"/>
-                </a:fillRef>
-                <a:effectRef idx="0">
-                  <a:schemeClr val="accent1"/>
-                </a:effectRef>
-                <a:fontRef idx="minor">
-                  <a:schemeClr val="lt1"/>
-                </a:fontRef>
-              </p:style>
-              <p:txBody>
-                <a:bodyPr rtlCol="0" anchor="ctr"/>
-                <a:lstStyle/>
-                <a:p>
-                  <a:pPr algn="ctr"/>
-                  <a:endParaRPr lang="es-CO"/>
-                </a:p>
-              </p:txBody>
-            </p:sp>
-            <p:sp>
-              <p:nvSpPr>
-                <p:cNvPr id="41" name="Elipse 40">
-                  <a:extLst>
-                    <a:ext uri="{FF2B5EF4-FFF2-40B4-BE49-F238E27FC236}">
-                      <a16:creationId xmlns:a16="http://schemas.microsoft.com/office/drawing/2014/main" id="{CDF21570-6357-4BD1-A766-9DEDD31C05D9}"/>
-                    </a:ext>
-                  </a:extLst>
-                </p:cNvPr>
-                <p:cNvSpPr/>
-                <p:nvPr/>
-              </p:nvSpPr>
-              <p:spPr>
-                <a:xfrm>
-                  <a:off x="8249478" y="4048544"/>
-                  <a:ext cx="92764" cy="132521"/>
-                </a:xfrm>
-                <a:prstGeom prst="ellipse">
-                  <a:avLst/>
-                </a:prstGeom>
-              </p:spPr>
-              <p:style>
-                <a:lnRef idx="2">
-                  <a:schemeClr val="accent1">
-                    <a:shade val="50000"/>
-                  </a:schemeClr>
-                </a:lnRef>
-                <a:fillRef idx="1">
-                  <a:schemeClr val="accent1"/>
-                </a:fillRef>
-                <a:effectRef idx="0">
-                  <a:schemeClr val="accent1"/>
-                </a:effectRef>
-                <a:fontRef idx="minor">
-                  <a:schemeClr val="lt1"/>
-                </a:fontRef>
-              </p:style>
-              <p:txBody>
-                <a:bodyPr rtlCol="0" anchor="ctr"/>
-                <a:lstStyle/>
-                <a:p>
-                  <a:pPr algn="ctr"/>
-                  <a:endParaRPr lang="es-CO"/>
-                </a:p>
-              </p:txBody>
-            </p:sp>
-          </p:grpSp>
-          <p:grpSp>
-            <p:nvGrpSpPr>
-              <p:cNvPr id="35" name="Grupo 34">
-                <a:extLst>
-                  <a:ext uri="{FF2B5EF4-FFF2-40B4-BE49-F238E27FC236}">
-                    <a16:creationId xmlns:a16="http://schemas.microsoft.com/office/drawing/2014/main" id="{629DAFDA-7508-4178-9A3B-4946E5E8FD69}"/>
-                  </a:ext>
-                </a:extLst>
-              </p:cNvPr>
-              <p:cNvGrpSpPr/>
-              <p:nvPr/>
-            </p:nvGrpSpPr>
-            <p:grpSpPr>
-              <a:xfrm rot="5400000">
-                <a:off x="10241877" y="4037105"/>
-                <a:ext cx="141103" cy="632493"/>
-                <a:chOff x="8236229" y="3485323"/>
-                <a:chExt cx="106013" cy="695742"/>
-              </a:xfrm>
-            </p:grpSpPr>
-            <p:sp>
-              <p:nvSpPr>
-                <p:cNvPr id="36" name="Elipse 35">
-                  <a:extLst>
-                    <a:ext uri="{FF2B5EF4-FFF2-40B4-BE49-F238E27FC236}">
-                      <a16:creationId xmlns:a16="http://schemas.microsoft.com/office/drawing/2014/main" id="{1B556D23-F38D-4C0D-A0C8-DAEA296FECFC}"/>
-                    </a:ext>
-                  </a:extLst>
-                </p:cNvPr>
-                <p:cNvSpPr/>
-                <p:nvPr/>
-              </p:nvSpPr>
-              <p:spPr>
-                <a:xfrm>
-                  <a:off x="8242854" y="3485323"/>
-                  <a:ext cx="92764" cy="132521"/>
-                </a:xfrm>
-                <a:prstGeom prst="ellipse">
-                  <a:avLst/>
-                </a:prstGeom>
-              </p:spPr>
-              <p:style>
-                <a:lnRef idx="2">
-                  <a:schemeClr val="accent1">
-                    <a:shade val="50000"/>
-                  </a:schemeClr>
-                </a:lnRef>
-                <a:fillRef idx="1">
-                  <a:schemeClr val="accent1"/>
-                </a:fillRef>
-                <a:effectRef idx="0">
-                  <a:schemeClr val="accent1"/>
-                </a:effectRef>
-                <a:fontRef idx="minor">
-                  <a:schemeClr val="lt1"/>
-                </a:fontRef>
-              </p:style>
-              <p:txBody>
-                <a:bodyPr rtlCol="0" anchor="ctr"/>
-                <a:lstStyle/>
-                <a:p>
-                  <a:pPr algn="ctr"/>
-                  <a:endParaRPr lang="es-CO"/>
-                </a:p>
-              </p:txBody>
-            </p:sp>
-            <p:sp>
-              <p:nvSpPr>
-                <p:cNvPr id="37" name="Elipse 36">
-                  <a:extLst>
-                    <a:ext uri="{FF2B5EF4-FFF2-40B4-BE49-F238E27FC236}">
-                      <a16:creationId xmlns:a16="http://schemas.microsoft.com/office/drawing/2014/main" id="{2D78925F-1EC3-48CF-8394-F84634654875}"/>
-                    </a:ext>
-                  </a:extLst>
-                </p:cNvPr>
-                <p:cNvSpPr/>
-                <p:nvPr/>
-              </p:nvSpPr>
-              <p:spPr>
-                <a:xfrm>
-                  <a:off x="8236229" y="3743740"/>
-                  <a:ext cx="92764" cy="132521"/>
-                </a:xfrm>
-                <a:prstGeom prst="ellipse">
-                  <a:avLst/>
-                </a:prstGeom>
-              </p:spPr>
-              <p:style>
-                <a:lnRef idx="2">
-                  <a:schemeClr val="accent1">
-                    <a:shade val="50000"/>
-                  </a:schemeClr>
-                </a:lnRef>
-                <a:fillRef idx="1">
-                  <a:schemeClr val="accent1"/>
-                </a:fillRef>
-                <a:effectRef idx="0">
-                  <a:schemeClr val="accent1"/>
-                </a:effectRef>
-                <a:fontRef idx="minor">
-                  <a:schemeClr val="lt1"/>
-                </a:fontRef>
-              </p:style>
-              <p:txBody>
-                <a:bodyPr rtlCol="0" anchor="ctr"/>
-                <a:lstStyle/>
-                <a:p>
-                  <a:pPr algn="ctr"/>
-                  <a:endParaRPr lang="es-CO"/>
-                </a:p>
-              </p:txBody>
-            </p:sp>
-            <p:sp>
-              <p:nvSpPr>
-                <p:cNvPr id="38" name="Elipse 37">
-                  <a:extLst>
-                    <a:ext uri="{FF2B5EF4-FFF2-40B4-BE49-F238E27FC236}">
-                      <a16:creationId xmlns:a16="http://schemas.microsoft.com/office/drawing/2014/main" id="{464A563A-12C2-4F14-BB53-DB39054C7EC9}"/>
-                    </a:ext>
-                  </a:extLst>
-                </p:cNvPr>
-                <p:cNvSpPr/>
-                <p:nvPr/>
-              </p:nvSpPr>
-              <p:spPr>
-                <a:xfrm>
-                  <a:off x="8249478" y="4048544"/>
-                  <a:ext cx="92764" cy="132521"/>
-                </a:xfrm>
-                <a:prstGeom prst="ellipse">
-                  <a:avLst/>
-                </a:prstGeom>
-              </p:spPr>
-              <p:style>
-                <a:lnRef idx="2">
-                  <a:schemeClr val="accent1">
-                    <a:shade val="50000"/>
-                  </a:schemeClr>
-                </a:lnRef>
-                <a:fillRef idx="1">
-                  <a:schemeClr val="accent1"/>
-                </a:fillRef>
-                <a:effectRef idx="0">
-                  <a:schemeClr val="accent1"/>
-                </a:effectRef>
-                <a:fontRef idx="minor">
-                  <a:schemeClr val="lt1"/>
-                </a:fontRef>
-              </p:style>
-              <p:txBody>
-                <a:bodyPr rtlCol="0" anchor="ctr"/>
-                <a:lstStyle/>
-                <a:p>
-                  <a:pPr algn="ctr"/>
-                  <a:endParaRPr lang="es-CO"/>
-                </a:p>
-              </p:txBody>
-            </p:sp>
-          </p:grpSp>
-        </p:grpSp>
         <p:sp>
           <p:nvSpPr>
             <p:cNvPr id="42" name="CuadroTexto 41">
@@ -9300,7 +8404,7 @@
           </p:nvSpPr>
           <p:spPr>
             <a:xfrm>
-              <a:off x="9706137" y="5236275"/>
+              <a:off x="9640566" y="5243164"/>
               <a:ext cx="256906" cy="369332"/>
             </a:xfrm>
             <a:prstGeom prst="rect">
@@ -9426,13 +8530,85 @@
             </a:p>
           </p:txBody>
         </p:sp>
+        <p:sp>
+          <p:nvSpPr>
+            <p:cNvPr id="51" name="CuadroTexto 50">
+              <a:extLst>
+                <a:ext uri="{FF2B5EF4-FFF2-40B4-BE49-F238E27FC236}">
+                  <a16:creationId xmlns:a16="http://schemas.microsoft.com/office/drawing/2014/main" id="{B5F89955-3C8C-4C90-BEE9-A74B01B82B77}"/>
+                </a:ext>
+              </a:extLst>
+            </p:cNvPr>
+            <p:cNvSpPr txBox="1"/>
+            <p:nvPr/>
+          </p:nvSpPr>
+          <p:spPr>
+            <a:xfrm rot="5400000">
+              <a:off x="8734799" y="2886856"/>
+              <a:ext cx="2779723" cy="1200329"/>
+            </a:xfrm>
+            <a:prstGeom prst="rect">
+              <a:avLst/>
+            </a:prstGeom>
+            <a:noFill/>
+          </p:spPr>
+          <p:txBody>
+            <a:bodyPr wrap="square" rtlCol="0">
+              <a:spAutoFit/>
+            </a:bodyPr>
+            <a:lstStyle/>
+            <a:p>
+              <a:r>
+                <a:rPr lang="es-MX" sz="7200" dirty="0"/>
+                <a:t>.… ….</a:t>
+              </a:r>
+              <a:endParaRPr lang="es-CO" sz="7200" dirty="0"/>
+            </a:p>
+          </p:txBody>
+        </p:sp>
+        <p:sp>
+          <p:nvSpPr>
+            <p:cNvPr id="52" name="CuadroTexto 51">
+              <a:extLst>
+                <a:ext uri="{FF2B5EF4-FFF2-40B4-BE49-F238E27FC236}">
+                  <a16:creationId xmlns:a16="http://schemas.microsoft.com/office/drawing/2014/main" id="{E80BD51E-BF9E-45EA-A4D3-A023E41EF82C}"/>
+                </a:ext>
+              </a:extLst>
+            </p:cNvPr>
+            <p:cNvSpPr txBox="1"/>
+            <p:nvPr/>
+          </p:nvSpPr>
+          <p:spPr>
+            <a:xfrm rot="5400000">
+              <a:off x="7999821" y="2950908"/>
+              <a:ext cx="1064928" cy="1200329"/>
+            </a:xfrm>
+            <a:prstGeom prst="rect">
+              <a:avLst/>
+            </a:prstGeom>
+            <a:noFill/>
+          </p:spPr>
+          <p:txBody>
+            <a:bodyPr wrap="square" rtlCol="0">
+              <a:spAutoFit/>
+            </a:bodyPr>
+            <a:lstStyle/>
+            <a:p>
+              <a:r>
+                <a:rPr lang="es-MX" sz="7200" dirty="0"/>
+                <a:t>...</a:t>
+              </a:r>
+              <a:endParaRPr lang="es-CO" sz="7200" dirty="0"/>
+            </a:p>
+          </p:txBody>
+        </p:sp>
       </p:grpSp>
       <p:sp>
         <p:nvSpPr>
-          <p:cNvPr id="48" name="CuadroTexto 47">
+          <p:cNvPr id="53" name="CuadroTexto 52">
             <a:extLst>
               <a:ext uri="{FF2B5EF4-FFF2-40B4-BE49-F238E27FC236}">
-                <a16:creationId xmlns:a16="http://schemas.microsoft.com/office/drawing/2014/main" id="{7986EEEE-6577-4706-B7F2-DB96B8762E81}"/>
+                <a16:creationId xmlns:a16="http://schemas.microsoft.com/office/drawing/2014/main" id="{FF5A355F-10D9-4B32-8774-1D23853B37AF}"/>
               </a:ext>
             </a:extLst>
           </p:cNvPr>
@@ -9440,9 +8616,9 @@
           <p:nvPr/>
         </p:nvSpPr>
         <p:spPr>
-          <a:xfrm>
-            <a:off x="2239015" y="1859793"/>
-            <a:ext cx="4399358" cy="2585323"/>
+          <a:xfrm rot="5400000">
+            <a:off x="11166331" y="2910539"/>
+            <a:ext cx="1064928" cy="1200329"/>
           </a:xfrm>
           <a:prstGeom prst="rect">
             <a:avLst/>
@@ -9456,58 +8632,10 @@
           <a:lstStyle/>
           <a:p>
             <a:r>
-              <a:rPr lang="es-CO" dirty="0"/>
-              <a:t>Considere un grafo el cual representa formas de moverse en  una ciudad entre distintos puntos. Además en los lados que conectan dos puntos puede haber trancón o no.</a:t>
+              <a:rPr lang="es-MX" sz="7200" dirty="0"/>
+              <a:t>...</a:t>
             </a:r>
-          </a:p>
-          <a:p>
-            <a:r>
-              <a:rPr lang="es-CO" dirty="0"/>
-              <a:t>Suponiendo  que una persona tolera máximo 2 trancones, </a:t>
-            </a:r>
-            <a:r>
-              <a:rPr lang="es-CO" b="1" dirty="0"/>
-              <a:t>¿Existe algún camino por el cual la persona pueda moverse de un punto u a un punto v?</a:t>
-            </a:r>
-          </a:p>
-        </p:txBody>
-      </p:sp>
-      <p:sp>
-        <p:nvSpPr>
-          <p:cNvPr id="49" name="CuadroTexto 48">
-            <a:extLst>
-              <a:ext uri="{FF2B5EF4-FFF2-40B4-BE49-F238E27FC236}">
-                <a16:creationId xmlns:a16="http://schemas.microsoft.com/office/drawing/2014/main" id="{BE6EF1E7-4D80-4B58-86D6-EF75387DFC80}"/>
-              </a:ext>
-            </a:extLst>
-          </p:cNvPr>
-          <p:cNvSpPr txBox="1"/>
-          <p:nvPr/>
-        </p:nvSpPr>
-        <p:spPr>
-          <a:xfrm>
-            <a:off x="2266122" y="910799"/>
-            <a:ext cx="4227080" cy="646331"/>
-          </a:xfrm>
-          <a:prstGeom prst="rect">
-            <a:avLst/>
-          </a:prstGeom>
-          <a:noFill/>
-        </p:spPr>
-        <p:txBody>
-          <a:bodyPr wrap="square" rtlCol="0">
-            <a:spAutoFit/>
-          </a:bodyPr>
-          <a:lstStyle/>
-          <a:p>
-            <a:r>
-              <a:rPr lang="es-CO" sz="3600" dirty="0"/>
-              <a:t>Problema</a:t>
-            </a:r>
-            <a:r>
-              <a:rPr lang="es-CO" dirty="0"/>
-              <a:t>:</a:t>
-            </a:r>
+            <a:endParaRPr lang="es-CO" sz="7200" dirty="0"/>
           </a:p>
         </p:txBody>
       </p:sp>
@@ -9555,7 +8683,7 @@
         </p:nvGrpSpPr>
         <p:grpSpPr>
           <a:xfrm>
-            <a:off x="8024193" y="1325217"/>
+            <a:off x="7579693" y="1325217"/>
             <a:ext cx="3611220" cy="1610139"/>
             <a:chOff x="8024193" y="1325217"/>
             <a:chExt cx="3611220" cy="1610139"/>
@@ -9575,7 +8703,7 @@
           </p:nvSpPr>
           <p:spPr>
             <a:xfrm>
-              <a:off x="9634330" y="1325217"/>
+              <a:off x="9611274" y="1325217"/>
               <a:ext cx="490331" cy="463826"/>
             </a:xfrm>
             <a:prstGeom prst="ellipse">
@@ -9624,940 +8752,7 @@
           </p:nvCxnSpPr>
           <p:spPr>
             <a:xfrm flipH="1">
-              <a:off x="8256104" y="1721117"/>
-              <a:ext cx="1450033" cy="743787"/>
-            </a:xfrm>
-            <a:prstGeom prst="line">
-              <a:avLst/>
-            </a:prstGeom>
-          </p:spPr>
-          <p:style>
-            <a:lnRef idx="1">
-              <a:schemeClr val="accent1"/>
-            </a:lnRef>
-            <a:fillRef idx="0">
-              <a:schemeClr val="accent1"/>
-            </a:fillRef>
-            <a:effectRef idx="0">
-              <a:schemeClr val="accent1"/>
-            </a:effectRef>
-            <a:fontRef idx="minor">
-              <a:schemeClr val="tx1"/>
-            </a:fontRef>
-          </p:style>
-        </p:cxnSp>
-        <p:sp>
-          <p:nvSpPr>
-            <p:cNvPr id="46" name="Elipse 45">
-              <a:extLst>
-                <a:ext uri="{FF2B5EF4-FFF2-40B4-BE49-F238E27FC236}">
-                  <a16:creationId xmlns:a16="http://schemas.microsoft.com/office/drawing/2014/main" id="{347FC539-ED4A-4AD8-AE35-D0E111D6F9E8}"/>
-                </a:ext>
-              </a:extLst>
-            </p:cNvPr>
-            <p:cNvSpPr/>
-            <p:nvPr/>
-          </p:nvSpPr>
-          <p:spPr>
-            <a:xfrm>
-              <a:off x="8024193" y="2471530"/>
-              <a:ext cx="490331" cy="463826"/>
-            </a:xfrm>
-            <a:prstGeom prst="ellipse">
-              <a:avLst/>
-            </a:prstGeom>
-            <a:noFill/>
-          </p:spPr>
-          <p:style>
-            <a:lnRef idx="2">
-              <a:schemeClr val="accent1">
-                <a:shade val="50000"/>
-              </a:schemeClr>
-            </a:lnRef>
-            <a:fillRef idx="1">
-              <a:schemeClr val="accent1"/>
-            </a:fillRef>
-            <a:effectRef idx="0">
-              <a:schemeClr val="accent1"/>
-            </a:effectRef>
-            <a:fontRef idx="minor">
-              <a:schemeClr val="lt1"/>
-            </a:fontRef>
-          </p:style>
-          <p:txBody>
-            <a:bodyPr rtlCol="0" anchor="ctr"/>
-            <a:lstStyle/>
-            <a:p>
-              <a:pPr algn="ctr"/>
-              <a:endParaRPr lang="es-CO"/>
-            </a:p>
-          </p:txBody>
-        </p:sp>
-        <p:sp>
-          <p:nvSpPr>
-            <p:cNvPr id="47" name="Elipse 46">
-              <a:extLst>
-                <a:ext uri="{FF2B5EF4-FFF2-40B4-BE49-F238E27FC236}">
-                  <a16:creationId xmlns:a16="http://schemas.microsoft.com/office/drawing/2014/main" id="{75C578D5-9900-4CFC-A3FC-36C234B5D509}"/>
-                </a:ext>
-              </a:extLst>
-            </p:cNvPr>
-            <p:cNvSpPr/>
-            <p:nvPr/>
-          </p:nvSpPr>
-          <p:spPr>
-            <a:xfrm>
-              <a:off x="11145082" y="2372141"/>
-              <a:ext cx="490331" cy="463826"/>
-            </a:xfrm>
-            <a:prstGeom prst="ellipse">
-              <a:avLst/>
-            </a:prstGeom>
-            <a:noFill/>
-          </p:spPr>
-          <p:style>
-            <a:lnRef idx="2">
-              <a:schemeClr val="accent1">
-                <a:shade val="50000"/>
-              </a:schemeClr>
-            </a:lnRef>
-            <a:fillRef idx="1">
-              <a:schemeClr val="accent1"/>
-            </a:fillRef>
-            <a:effectRef idx="0">
-              <a:schemeClr val="accent1"/>
-            </a:effectRef>
-            <a:fontRef idx="minor">
-              <a:schemeClr val="lt1"/>
-            </a:fontRef>
-          </p:style>
-          <p:txBody>
-            <a:bodyPr rtlCol="0" anchor="ctr"/>
-            <a:lstStyle/>
-            <a:p>
-              <a:pPr algn="ctr"/>
-              <a:endParaRPr lang="es-CO"/>
-            </a:p>
-          </p:txBody>
-        </p:sp>
-      </p:grpSp>
-      <p:grpSp>
-        <p:nvGrpSpPr>
-          <p:cNvPr id="8" name="Grupo 7">
-            <a:extLst>
-              <a:ext uri="{FF2B5EF4-FFF2-40B4-BE49-F238E27FC236}">
-                <a16:creationId xmlns:a16="http://schemas.microsoft.com/office/drawing/2014/main" id="{B3491BFF-3BC1-42B6-AE2A-61F07461A0EE}"/>
-              </a:ext>
-            </a:extLst>
-          </p:cNvPr>
-          <p:cNvGrpSpPr/>
-          <p:nvPr/>
-        </p:nvGrpSpPr>
-        <p:grpSpPr>
-          <a:xfrm rot="10800000">
-            <a:off x="8024194" y="4022034"/>
-            <a:ext cx="3611219" cy="1610139"/>
-            <a:chOff x="8104425" y="1325217"/>
-            <a:chExt cx="3611219" cy="1610139"/>
-          </a:xfrm>
-        </p:grpSpPr>
-        <p:sp>
-          <p:nvSpPr>
-            <p:cNvPr id="32" name="Elipse 31">
-              <a:extLst>
-                <a:ext uri="{FF2B5EF4-FFF2-40B4-BE49-F238E27FC236}">
-                  <a16:creationId xmlns:a16="http://schemas.microsoft.com/office/drawing/2014/main" id="{F2F9B1BF-0939-4184-9984-1BFF66C8080A}"/>
-                </a:ext>
-              </a:extLst>
-            </p:cNvPr>
-            <p:cNvSpPr/>
-            <p:nvPr/>
-          </p:nvSpPr>
-          <p:spPr>
-            <a:xfrm>
-              <a:off x="9634330" y="1325217"/>
-              <a:ext cx="490331" cy="463826"/>
-            </a:xfrm>
-            <a:prstGeom prst="ellipse">
-              <a:avLst/>
-            </a:prstGeom>
-            <a:noFill/>
-          </p:spPr>
-          <p:style>
-            <a:lnRef idx="2">
-              <a:schemeClr val="accent1">
-                <a:shade val="50000"/>
-              </a:schemeClr>
-            </a:lnRef>
-            <a:fillRef idx="1">
-              <a:schemeClr val="accent1"/>
-            </a:fillRef>
-            <a:effectRef idx="0">
-              <a:schemeClr val="accent1"/>
-            </a:effectRef>
-            <a:fontRef idx="minor">
-              <a:schemeClr val="lt1"/>
-            </a:fontRef>
-          </p:style>
-          <p:txBody>
-            <a:bodyPr rtlCol="0" anchor="ctr"/>
-            <a:lstStyle/>
-            <a:p>
-              <a:pPr algn="ctr"/>
-              <a:endParaRPr lang="es-CO"/>
-            </a:p>
-          </p:txBody>
-        </p:sp>
-        <p:cxnSp>
-          <p:nvCxnSpPr>
-            <p:cNvPr id="34" name="Conector recto 33">
-              <a:extLst>
-                <a:ext uri="{FF2B5EF4-FFF2-40B4-BE49-F238E27FC236}">
-                  <a16:creationId xmlns:a16="http://schemas.microsoft.com/office/drawing/2014/main" id="{0CE01E1B-5514-4DEF-A8B9-87CFB3D1F4C4}"/>
-                </a:ext>
-              </a:extLst>
-            </p:cNvPr>
-            <p:cNvCxnSpPr>
-              <a:cxnSpLocks/>
-              <a:stCxn id="32" idx="5"/>
-              <a:endCxn id="36" idx="0"/>
-            </p:cNvCxnSpPr>
-            <p:nvPr/>
-          </p:nvCxnSpPr>
-          <p:spPr>
-            <a:xfrm rot="10800000" flipH="1" flipV="1">
-              <a:off x="10052854" y="1721117"/>
-              <a:ext cx="1417625" cy="651024"/>
-            </a:xfrm>
-            <a:prstGeom prst="line">
-              <a:avLst/>
-            </a:prstGeom>
-          </p:spPr>
-          <p:style>
-            <a:lnRef idx="1">
-              <a:schemeClr val="accent1"/>
-            </a:lnRef>
-            <a:fillRef idx="0">
-              <a:schemeClr val="accent1"/>
-            </a:fillRef>
-            <a:effectRef idx="0">
-              <a:schemeClr val="accent1"/>
-            </a:effectRef>
-            <a:fontRef idx="minor">
-              <a:schemeClr val="tx1"/>
-            </a:fontRef>
-          </p:style>
-        </p:cxnSp>
-        <p:sp>
-          <p:nvSpPr>
-            <p:cNvPr id="35" name="Elipse 34">
-              <a:extLst>
-                <a:ext uri="{FF2B5EF4-FFF2-40B4-BE49-F238E27FC236}">
-                  <a16:creationId xmlns:a16="http://schemas.microsoft.com/office/drawing/2014/main" id="{A6146339-9686-4B38-8F6D-030A9D7BB004}"/>
-                </a:ext>
-              </a:extLst>
-            </p:cNvPr>
-            <p:cNvSpPr/>
-            <p:nvPr/>
-          </p:nvSpPr>
-          <p:spPr>
-            <a:xfrm>
-              <a:off x="8104425" y="2471530"/>
-              <a:ext cx="490331" cy="463826"/>
-            </a:xfrm>
-            <a:prstGeom prst="ellipse">
-              <a:avLst/>
-            </a:prstGeom>
-            <a:noFill/>
-          </p:spPr>
-          <p:style>
-            <a:lnRef idx="2">
-              <a:schemeClr val="accent1">
-                <a:shade val="50000"/>
-              </a:schemeClr>
-            </a:lnRef>
-            <a:fillRef idx="1">
-              <a:schemeClr val="accent1"/>
-            </a:fillRef>
-            <a:effectRef idx="0">
-              <a:schemeClr val="accent1"/>
-            </a:effectRef>
-            <a:fontRef idx="minor">
-              <a:schemeClr val="lt1"/>
-            </a:fontRef>
-          </p:style>
-          <p:txBody>
-            <a:bodyPr rtlCol="0" anchor="ctr"/>
-            <a:lstStyle/>
-            <a:p>
-              <a:pPr algn="ctr"/>
-              <a:endParaRPr lang="es-CO"/>
-            </a:p>
-          </p:txBody>
-        </p:sp>
-        <p:sp>
-          <p:nvSpPr>
-            <p:cNvPr id="36" name="Elipse 35">
-              <a:extLst>
-                <a:ext uri="{FF2B5EF4-FFF2-40B4-BE49-F238E27FC236}">
-                  <a16:creationId xmlns:a16="http://schemas.microsoft.com/office/drawing/2014/main" id="{CB63D7C7-CF74-44B2-8760-3CF3BC210B7A}"/>
-                </a:ext>
-              </a:extLst>
-            </p:cNvPr>
-            <p:cNvSpPr/>
-            <p:nvPr/>
-          </p:nvSpPr>
-          <p:spPr>
-            <a:xfrm>
-              <a:off x="11225314" y="2372141"/>
-              <a:ext cx="490330" cy="463826"/>
-            </a:xfrm>
-            <a:prstGeom prst="ellipse">
-              <a:avLst/>
-            </a:prstGeom>
-            <a:noFill/>
-          </p:spPr>
-          <p:style>
-            <a:lnRef idx="2">
-              <a:schemeClr val="accent1">
-                <a:shade val="50000"/>
-              </a:schemeClr>
-            </a:lnRef>
-            <a:fillRef idx="1">
-              <a:schemeClr val="accent1"/>
-            </a:fillRef>
-            <a:effectRef idx="0">
-              <a:schemeClr val="accent1"/>
-            </a:effectRef>
-            <a:fontRef idx="minor">
-              <a:schemeClr val="lt1"/>
-            </a:fontRef>
-          </p:style>
-          <p:txBody>
-            <a:bodyPr rtlCol="0" anchor="ctr"/>
-            <a:lstStyle/>
-            <a:p>
-              <a:pPr algn="ctr"/>
-              <a:endParaRPr lang="es-CO"/>
-            </a:p>
-          </p:txBody>
-        </p:sp>
-      </p:grpSp>
-      <p:sp>
-        <p:nvSpPr>
-          <p:cNvPr id="11" name="CuadroTexto 10">
-            <a:extLst>
-              <a:ext uri="{FF2B5EF4-FFF2-40B4-BE49-F238E27FC236}">
-                <a16:creationId xmlns:a16="http://schemas.microsoft.com/office/drawing/2014/main" id="{361480D1-177E-4502-9236-29EDAE96AC77}"/>
-              </a:ext>
-            </a:extLst>
-          </p:cNvPr>
-          <p:cNvSpPr txBox="1"/>
-          <p:nvPr/>
-        </p:nvSpPr>
-        <p:spPr>
-          <a:xfrm>
-            <a:off x="9716406" y="1374451"/>
-            <a:ext cx="256906" cy="646331"/>
-          </a:xfrm>
-          <a:prstGeom prst="rect">
-            <a:avLst/>
-          </a:prstGeom>
-          <a:noFill/>
-        </p:spPr>
-        <p:txBody>
-          <a:bodyPr wrap="square" rtlCol="0">
-            <a:spAutoFit/>
-          </a:bodyPr>
-          <a:lstStyle/>
-          <a:p>
-            <a:r>
-              <a:rPr lang="es-CO" dirty="0"/>
-              <a:t>u</a:t>
-            </a:r>
-          </a:p>
-          <a:p>
-            <a:endParaRPr lang="es-CO" dirty="0"/>
-          </a:p>
-        </p:txBody>
-      </p:sp>
-      <p:sp>
-        <p:nvSpPr>
-          <p:cNvPr id="12" name="CuadroTexto 11">
-            <a:extLst>
-              <a:ext uri="{FF2B5EF4-FFF2-40B4-BE49-F238E27FC236}">
-                <a16:creationId xmlns:a16="http://schemas.microsoft.com/office/drawing/2014/main" id="{912A6F60-EA73-4EF7-A87E-737B0303EC3A}"/>
-              </a:ext>
-            </a:extLst>
-          </p:cNvPr>
-          <p:cNvSpPr txBox="1"/>
-          <p:nvPr/>
-        </p:nvSpPr>
-        <p:spPr>
-          <a:xfrm>
-            <a:off x="9706137" y="5236275"/>
-            <a:ext cx="256906" cy="369332"/>
-          </a:xfrm>
-          <a:prstGeom prst="rect">
-            <a:avLst/>
-          </a:prstGeom>
-          <a:noFill/>
-        </p:spPr>
-        <p:txBody>
-          <a:bodyPr wrap="square" rtlCol="0">
-            <a:spAutoFit/>
-          </a:bodyPr>
-          <a:lstStyle/>
-          <a:p>
-            <a:r>
-              <a:rPr lang="es-CO" dirty="0"/>
-              <a:t>v</a:t>
-            </a:r>
-          </a:p>
-        </p:txBody>
-      </p:sp>
-      <p:sp>
-        <p:nvSpPr>
-          <p:cNvPr id="13" name="CuadroTexto 12">
-            <a:extLst>
-              <a:ext uri="{FF2B5EF4-FFF2-40B4-BE49-F238E27FC236}">
-                <a16:creationId xmlns:a16="http://schemas.microsoft.com/office/drawing/2014/main" id="{1DCFED14-09B5-4442-AA04-85E14276EFC6}"/>
-              </a:ext>
-            </a:extLst>
-          </p:cNvPr>
-          <p:cNvSpPr txBox="1"/>
-          <p:nvPr/>
-        </p:nvSpPr>
-        <p:spPr>
-          <a:xfrm>
-            <a:off x="7909387" y="1697616"/>
-            <a:ext cx="1134145" cy="369332"/>
-          </a:xfrm>
-          <a:prstGeom prst="rect">
-            <a:avLst/>
-          </a:prstGeom>
-          <a:noFill/>
-        </p:spPr>
-        <p:txBody>
-          <a:bodyPr wrap="square" rtlCol="0">
-            <a:spAutoFit/>
-          </a:bodyPr>
-          <a:lstStyle/>
-          <a:p>
-            <a:r>
-              <a:rPr lang="es-CO" dirty="0"/>
-              <a:t>trancón</a:t>
-            </a:r>
-          </a:p>
-        </p:txBody>
-      </p:sp>
-      <p:sp>
-        <p:nvSpPr>
-          <p:cNvPr id="14" name="CuadroTexto 13">
-            <a:extLst>
-              <a:ext uri="{FF2B5EF4-FFF2-40B4-BE49-F238E27FC236}">
-                <a16:creationId xmlns:a16="http://schemas.microsoft.com/office/drawing/2014/main" id="{23ED0A28-DBDC-41CE-8858-31C202A16AE4}"/>
-              </a:ext>
-            </a:extLst>
-          </p:cNvPr>
-          <p:cNvSpPr txBox="1"/>
-          <p:nvPr/>
-        </p:nvSpPr>
-        <p:spPr>
-          <a:xfrm>
-            <a:off x="7748061" y="4891608"/>
-            <a:ext cx="1493030" cy="369332"/>
-          </a:xfrm>
-          <a:prstGeom prst="rect">
-            <a:avLst/>
-          </a:prstGeom>
-          <a:noFill/>
-        </p:spPr>
-        <p:txBody>
-          <a:bodyPr wrap="square" rtlCol="0">
-            <a:spAutoFit/>
-          </a:bodyPr>
-          <a:lstStyle/>
-          <a:p>
-            <a:r>
-              <a:rPr lang="es-CO" dirty="0"/>
-              <a:t>Sin trancón</a:t>
-            </a:r>
-          </a:p>
-        </p:txBody>
-      </p:sp>
-      <p:sp>
-        <p:nvSpPr>
-          <p:cNvPr id="15" name="CuadroTexto 14">
-            <a:extLst>
-              <a:ext uri="{FF2B5EF4-FFF2-40B4-BE49-F238E27FC236}">
-                <a16:creationId xmlns:a16="http://schemas.microsoft.com/office/drawing/2014/main" id="{E2F7C707-CBE8-4111-B980-18D89EB38367}"/>
-              </a:ext>
-            </a:extLst>
-          </p:cNvPr>
-          <p:cNvSpPr txBox="1"/>
-          <p:nvPr/>
-        </p:nvSpPr>
-        <p:spPr>
-          <a:xfrm>
-            <a:off x="10658241" y="4854674"/>
-            <a:ext cx="1134145" cy="369332"/>
-          </a:xfrm>
-          <a:prstGeom prst="rect">
-            <a:avLst/>
-          </a:prstGeom>
-          <a:noFill/>
-        </p:spPr>
-        <p:txBody>
-          <a:bodyPr wrap="square" rtlCol="0">
-            <a:spAutoFit/>
-          </a:bodyPr>
-          <a:lstStyle/>
-          <a:p>
-            <a:r>
-              <a:rPr lang="es-CO" dirty="0"/>
-              <a:t>trancón</a:t>
-            </a:r>
-          </a:p>
-        </p:txBody>
-      </p:sp>
-      <p:cxnSp>
-        <p:nvCxnSpPr>
-          <p:cNvPr id="49" name="Conector recto 48">
-            <a:extLst>
-              <a:ext uri="{FF2B5EF4-FFF2-40B4-BE49-F238E27FC236}">
-                <a16:creationId xmlns:a16="http://schemas.microsoft.com/office/drawing/2014/main" id="{40C1E4DB-4589-4493-A445-4B586A5AC7BE}"/>
-              </a:ext>
-            </a:extLst>
-          </p:cNvPr>
-          <p:cNvCxnSpPr>
-            <a:cxnSpLocks/>
-            <a:stCxn id="46" idx="4"/>
-            <a:endCxn id="36" idx="4"/>
-          </p:cNvCxnSpPr>
-          <p:nvPr/>
-        </p:nvCxnSpPr>
-        <p:spPr>
-          <a:xfrm>
-            <a:off x="8269359" y="2935356"/>
-            <a:ext cx="0" cy="1186067"/>
-          </a:xfrm>
-          <a:prstGeom prst="line">
-            <a:avLst/>
-          </a:prstGeom>
-        </p:spPr>
-        <p:style>
-          <a:lnRef idx="1">
-            <a:schemeClr val="accent1"/>
-          </a:lnRef>
-          <a:fillRef idx="0">
-            <a:schemeClr val="accent1"/>
-          </a:fillRef>
-          <a:effectRef idx="0">
-            <a:schemeClr val="accent1"/>
-          </a:effectRef>
-          <a:fontRef idx="minor">
-            <a:schemeClr val="tx1"/>
-          </a:fontRef>
-        </p:style>
-      </p:cxnSp>
-      <p:sp>
-        <p:nvSpPr>
-          <p:cNvPr id="55" name="CuadroTexto 54">
-            <a:extLst>
-              <a:ext uri="{FF2B5EF4-FFF2-40B4-BE49-F238E27FC236}">
-                <a16:creationId xmlns:a16="http://schemas.microsoft.com/office/drawing/2014/main" id="{82FC2249-5008-431A-8D8F-71A49DF17381}"/>
-              </a:ext>
-            </a:extLst>
-          </p:cNvPr>
-          <p:cNvSpPr txBox="1"/>
-          <p:nvPr/>
-        </p:nvSpPr>
-        <p:spPr>
-          <a:xfrm>
-            <a:off x="7253404" y="3294502"/>
-            <a:ext cx="1134145" cy="369332"/>
-          </a:xfrm>
-          <a:prstGeom prst="rect">
-            <a:avLst/>
-          </a:prstGeom>
-          <a:noFill/>
-        </p:spPr>
-        <p:txBody>
-          <a:bodyPr wrap="square" rtlCol="0">
-            <a:spAutoFit/>
-          </a:bodyPr>
-          <a:lstStyle/>
-          <a:p>
-            <a:r>
-              <a:rPr lang="es-CO" dirty="0"/>
-              <a:t>trancón</a:t>
-            </a:r>
-          </a:p>
-        </p:txBody>
-      </p:sp>
-      <p:sp>
-        <p:nvSpPr>
-          <p:cNvPr id="56" name="CuadroTexto 55">
-            <a:extLst>
-              <a:ext uri="{FF2B5EF4-FFF2-40B4-BE49-F238E27FC236}">
-                <a16:creationId xmlns:a16="http://schemas.microsoft.com/office/drawing/2014/main" id="{EFB8605F-A87C-4363-A9A5-304EF963A079}"/>
-              </a:ext>
-            </a:extLst>
-          </p:cNvPr>
-          <p:cNvSpPr txBox="1"/>
-          <p:nvPr/>
-        </p:nvSpPr>
-        <p:spPr>
-          <a:xfrm>
-            <a:off x="10671497" y="1641947"/>
-            <a:ext cx="1493030" cy="369332"/>
-          </a:xfrm>
-          <a:prstGeom prst="rect">
-            <a:avLst/>
-          </a:prstGeom>
-          <a:noFill/>
-        </p:spPr>
-        <p:txBody>
-          <a:bodyPr wrap="square" rtlCol="0">
-            <a:spAutoFit/>
-          </a:bodyPr>
-          <a:lstStyle/>
-          <a:p>
-            <a:r>
-              <a:rPr lang="es-CO" dirty="0"/>
-              <a:t>Sin trancón</a:t>
-            </a:r>
-          </a:p>
-        </p:txBody>
-      </p:sp>
-      <p:sp>
-        <p:nvSpPr>
-          <p:cNvPr id="57" name="CuadroTexto 56">
-            <a:extLst>
-              <a:ext uri="{FF2B5EF4-FFF2-40B4-BE49-F238E27FC236}">
-                <a16:creationId xmlns:a16="http://schemas.microsoft.com/office/drawing/2014/main" id="{80A423E0-A1F8-4C8A-B6CF-6A2D79950D29}"/>
-              </a:ext>
-            </a:extLst>
-          </p:cNvPr>
-          <p:cNvSpPr txBox="1"/>
-          <p:nvPr/>
-        </p:nvSpPr>
-        <p:spPr>
-          <a:xfrm>
-            <a:off x="9963043" y="3179142"/>
-            <a:ext cx="1493030" cy="369332"/>
-          </a:xfrm>
-          <a:prstGeom prst="rect">
-            <a:avLst/>
-          </a:prstGeom>
-          <a:noFill/>
-        </p:spPr>
-        <p:txBody>
-          <a:bodyPr wrap="square" rtlCol="0">
-            <a:spAutoFit/>
-          </a:bodyPr>
-          <a:lstStyle/>
-          <a:p>
-            <a:r>
-              <a:rPr lang="es-CO" dirty="0"/>
-              <a:t>Sin trancón</a:t>
-            </a:r>
-          </a:p>
-        </p:txBody>
-      </p:sp>
-      <p:cxnSp>
-        <p:nvCxnSpPr>
-          <p:cNvPr id="61" name="Conector recto 60">
-            <a:extLst>
-              <a:ext uri="{FF2B5EF4-FFF2-40B4-BE49-F238E27FC236}">
-                <a16:creationId xmlns:a16="http://schemas.microsoft.com/office/drawing/2014/main" id="{05F91B2F-9A6E-4CD0-B2E6-86C60C581EBC}"/>
-              </a:ext>
-            </a:extLst>
-          </p:cNvPr>
-          <p:cNvCxnSpPr>
-            <a:stCxn id="43" idx="5"/>
-            <a:endCxn id="47" idx="1"/>
-          </p:cNvCxnSpPr>
-          <p:nvPr/>
-        </p:nvCxnSpPr>
-        <p:spPr>
-          <a:xfrm>
-            <a:off x="10052854" y="1721117"/>
-            <a:ext cx="1164035" cy="718950"/>
-          </a:xfrm>
-          <a:prstGeom prst="line">
-            <a:avLst/>
-          </a:prstGeom>
-          <a:ln w="38100">
-            <a:solidFill>
-              <a:srgbClr val="00B050"/>
-            </a:solidFill>
-          </a:ln>
-        </p:spPr>
-        <p:style>
-          <a:lnRef idx="1">
-            <a:schemeClr val="accent1"/>
-          </a:lnRef>
-          <a:fillRef idx="0">
-            <a:schemeClr val="accent1"/>
-          </a:fillRef>
-          <a:effectRef idx="0">
-            <a:schemeClr val="accent1"/>
-          </a:effectRef>
-          <a:fontRef idx="minor">
-            <a:schemeClr val="tx1"/>
-          </a:fontRef>
-        </p:style>
-      </p:cxnSp>
-      <p:cxnSp>
-        <p:nvCxnSpPr>
-          <p:cNvPr id="62" name="Conector recto 61">
-            <a:extLst>
-              <a:ext uri="{FF2B5EF4-FFF2-40B4-BE49-F238E27FC236}">
-                <a16:creationId xmlns:a16="http://schemas.microsoft.com/office/drawing/2014/main" id="{34CC05FD-4AB9-4355-B9A9-264A33A4F3FD}"/>
-              </a:ext>
-            </a:extLst>
-          </p:cNvPr>
-          <p:cNvCxnSpPr>
-            <a:cxnSpLocks/>
-            <a:stCxn id="47" idx="4"/>
-            <a:endCxn id="35" idx="4"/>
-          </p:cNvCxnSpPr>
-          <p:nvPr/>
-        </p:nvCxnSpPr>
-        <p:spPr>
-          <a:xfrm flipH="1">
-            <a:off x="11390247" y="2835967"/>
-            <a:ext cx="1" cy="1186067"/>
-          </a:xfrm>
-          <a:prstGeom prst="line">
-            <a:avLst/>
-          </a:prstGeom>
-          <a:ln w="38100">
-            <a:solidFill>
-              <a:srgbClr val="00B050"/>
-            </a:solidFill>
-          </a:ln>
-        </p:spPr>
-        <p:style>
-          <a:lnRef idx="1">
-            <a:schemeClr val="accent1"/>
-          </a:lnRef>
-          <a:fillRef idx="0">
-            <a:schemeClr val="accent1"/>
-          </a:fillRef>
-          <a:effectRef idx="0">
-            <a:schemeClr val="accent1"/>
-          </a:effectRef>
-          <a:fontRef idx="minor">
-            <a:schemeClr val="tx1"/>
-          </a:fontRef>
-        </p:style>
-      </p:cxnSp>
-      <p:cxnSp>
-        <p:nvCxnSpPr>
-          <p:cNvPr id="65" name="Conector recto 64">
-            <a:extLst>
-              <a:ext uri="{FF2B5EF4-FFF2-40B4-BE49-F238E27FC236}">
-                <a16:creationId xmlns:a16="http://schemas.microsoft.com/office/drawing/2014/main" id="{91315586-559E-470C-B37B-CA800EBD9A15}"/>
-              </a:ext>
-            </a:extLst>
-          </p:cNvPr>
-          <p:cNvCxnSpPr>
-            <a:cxnSpLocks/>
-            <a:stCxn id="32" idx="3"/>
-            <a:endCxn id="35" idx="0"/>
-          </p:cNvCxnSpPr>
-          <p:nvPr/>
-        </p:nvCxnSpPr>
-        <p:spPr>
-          <a:xfrm flipV="1">
-            <a:off x="10033701" y="4485860"/>
-            <a:ext cx="1356546" cy="750413"/>
-          </a:xfrm>
-          <a:prstGeom prst="line">
-            <a:avLst/>
-          </a:prstGeom>
-          <a:ln w="38100">
-            <a:solidFill>
-              <a:srgbClr val="00B050"/>
-            </a:solidFill>
-          </a:ln>
-        </p:spPr>
-        <p:style>
-          <a:lnRef idx="1">
-            <a:schemeClr val="accent1"/>
-          </a:lnRef>
-          <a:fillRef idx="0">
-            <a:schemeClr val="accent1"/>
-          </a:fillRef>
-          <a:effectRef idx="0">
-            <a:schemeClr val="accent1"/>
-          </a:effectRef>
-          <a:fontRef idx="minor">
-            <a:schemeClr val="tx1"/>
-          </a:fontRef>
-        </p:style>
-      </p:cxnSp>
-      <p:sp>
-        <p:nvSpPr>
-          <p:cNvPr id="69" name="CuadroTexto 68">
-            <a:extLst>
-              <a:ext uri="{FF2B5EF4-FFF2-40B4-BE49-F238E27FC236}">
-                <a16:creationId xmlns:a16="http://schemas.microsoft.com/office/drawing/2014/main" id="{8C676580-4C5F-4BE6-B4FF-A5BAC4EEA676}"/>
-              </a:ext>
-            </a:extLst>
-          </p:cNvPr>
-          <p:cNvSpPr txBox="1"/>
-          <p:nvPr/>
-        </p:nvSpPr>
-        <p:spPr>
-          <a:xfrm>
-            <a:off x="2738918" y="2425147"/>
-            <a:ext cx="4399358" cy="1631216"/>
-          </a:xfrm>
-          <a:prstGeom prst="rect">
-            <a:avLst/>
-          </a:prstGeom>
-          <a:noFill/>
-        </p:spPr>
-        <p:txBody>
-          <a:bodyPr wrap="square" rtlCol="0">
-            <a:spAutoFit/>
-          </a:bodyPr>
-          <a:lstStyle/>
-          <a:p>
-            <a:r>
-              <a:rPr lang="es-CO" sz="2000" dirty="0"/>
-              <a:t>Por</a:t>
-            </a:r>
-            <a:r>
-              <a:rPr lang="es-CO" sz="2000" b="1" dirty="0"/>
-              <a:t> </a:t>
-            </a:r>
-            <a:r>
-              <a:rPr lang="es-CO" sz="2000" dirty="0"/>
-              <a:t>ejemplo, dado este grafo, si la persona decide tomar el camino de la derecha sólo debe soportar un trancón pero puede moverse desde el punto u al punto v.</a:t>
-            </a:r>
-            <a:endParaRPr lang="es-CO" sz="2000" b="1" dirty="0"/>
-          </a:p>
-        </p:txBody>
-      </p:sp>
-    </p:spTree>
-    <p:extLst>
-      <p:ext uri="{BB962C8B-B14F-4D97-AF65-F5344CB8AC3E}">
-        <p14:creationId xmlns:p14="http://schemas.microsoft.com/office/powerpoint/2010/main" val="654922966"/>
-      </p:ext>
-    </p:extLst>
-  </p:cSld>
-  <p:clrMapOvr>
-    <a:masterClrMapping/>
-  </p:clrMapOvr>
-</p:sld>
-</file>
-
-<file path=ppt/slides/slide4.xml><?xml version="1.0" encoding="utf-8"?>
-<p:sld xmlns:a="http://schemas.openxmlformats.org/drawingml/2006/main" xmlns:r="http://schemas.openxmlformats.org/officeDocument/2006/relationships" xmlns:p="http://schemas.openxmlformats.org/presentationml/2006/main">
-  <p:cSld>
-    <p:spTree>
-      <p:nvGrpSpPr>
-        <p:cNvPr id="1" name=""/>
-        <p:cNvGrpSpPr/>
-        <p:nvPr/>
-      </p:nvGrpSpPr>
-      <p:grpSpPr>
-        <a:xfrm>
-          <a:off x="0" y="0"/>
-          <a:ext cx="0" cy="0"/>
-          <a:chOff x="0" y="0"/>
-          <a:chExt cx="0" cy="0"/>
-        </a:xfrm>
-      </p:grpSpPr>
-      <p:grpSp>
-        <p:nvGrpSpPr>
-          <p:cNvPr id="5" name="Grupo 4">
-            <a:extLst>
-              <a:ext uri="{FF2B5EF4-FFF2-40B4-BE49-F238E27FC236}">
-                <a16:creationId xmlns:a16="http://schemas.microsoft.com/office/drawing/2014/main" id="{394DDF05-E454-4F11-AB50-E1A41C3C8F68}"/>
-              </a:ext>
-            </a:extLst>
-          </p:cNvPr>
-          <p:cNvGrpSpPr/>
-          <p:nvPr/>
-        </p:nvGrpSpPr>
-        <p:grpSpPr>
-          <a:xfrm>
-            <a:off x="7579693" y="1325217"/>
-            <a:ext cx="3611220" cy="1610139"/>
-            <a:chOff x="8024193" y="1325217"/>
-            <a:chExt cx="3611220" cy="1610139"/>
-          </a:xfrm>
-        </p:grpSpPr>
-        <p:sp>
-          <p:nvSpPr>
-            <p:cNvPr id="43" name="Elipse 42">
-              <a:extLst>
-                <a:ext uri="{FF2B5EF4-FFF2-40B4-BE49-F238E27FC236}">
-                  <a16:creationId xmlns:a16="http://schemas.microsoft.com/office/drawing/2014/main" id="{AC0B517B-CEEF-4B41-8361-D865B28FFE9D}"/>
-                </a:ext>
-              </a:extLst>
-            </p:cNvPr>
-            <p:cNvSpPr/>
-            <p:nvPr/>
-          </p:nvSpPr>
-          <p:spPr>
-            <a:xfrm>
-              <a:off x="9634330" y="1325217"/>
-              <a:ext cx="490331" cy="463826"/>
-            </a:xfrm>
-            <a:prstGeom prst="ellipse">
-              <a:avLst/>
-            </a:prstGeom>
-            <a:noFill/>
-          </p:spPr>
-          <p:style>
-            <a:lnRef idx="2">
-              <a:schemeClr val="accent1">
-                <a:shade val="50000"/>
-              </a:schemeClr>
-            </a:lnRef>
-            <a:fillRef idx="1">
-              <a:schemeClr val="accent1"/>
-            </a:fillRef>
-            <a:effectRef idx="0">
-              <a:schemeClr val="accent1"/>
-            </a:effectRef>
-            <a:fontRef idx="minor">
-              <a:schemeClr val="lt1"/>
-            </a:fontRef>
-          </p:style>
-          <p:txBody>
-            <a:bodyPr rtlCol="0" anchor="ctr"/>
-            <a:lstStyle/>
-            <a:p>
-              <a:pPr algn="ctr"/>
-              <a:endParaRPr lang="es-CO"/>
-            </a:p>
-          </p:txBody>
-        </p:sp>
-        <p:cxnSp>
-          <p:nvCxnSpPr>
-            <p:cNvPr id="44" name="Conector recto 43">
-              <a:extLst>
-                <a:ext uri="{FF2B5EF4-FFF2-40B4-BE49-F238E27FC236}">
-                  <a16:creationId xmlns:a16="http://schemas.microsoft.com/office/drawing/2014/main" id="{4C31321C-939B-4CC5-BE5A-E5FF1ABB32F9}"/>
-                </a:ext>
-              </a:extLst>
-            </p:cNvPr>
-            <p:cNvCxnSpPr>
-              <a:stCxn id="43" idx="3"/>
-            </p:cNvCxnSpPr>
-            <p:nvPr/>
-          </p:nvCxnSpPr>
-          <p:spPr>
-            <a:xfrm flipH="1">
-              <a:off x="8256104" y="1721117"/>
+              <a:off x="8233048" y="1721117"/>
               <a:ext cx="1450033" cy="743787"/>
             </a:xfrm>
             <a:prstGeom prst="line">
@@ -11136,8 +9331,8 @@
         </p:nvSpPr>
         <p:spPr>
           <a:xfrm>
-            <a:off x="10861289" y="3194251"/>
-            <a:ext cx="1493030" cy="369332"/>
+            <a:off x="10994341" y="3082503"/>
+            <a:ext cx="1152901" cy="646331"/>
           </a:xfrm>
           <a:prstGeom prst="rect">
             <a:avLst/>
@@ -11172,7 +9367,7 @@
         <p:spPr>
           <a:xfrm>
             <a:off x="2178003" y="2020782"/>
-            <a:ext cx="4399358" cy="2862322"/>
+            <a:ext cx="4399358" cy="2800767"/>
           </a:xfrm>
           <a:prstGeom prst="rect">
             <a:avLst/>
@@ -11185,11 +9380,12 @@
           </a:bodyPr>
           <a:lstStyle/>
           <a:p>
+            <a:pPr algn="just"/>
             <a:r>
-              <a:rPr lang="es-CO" sz="2000" dirty="0"/>
-              <a:t>Ahora considere este otro ejemplo. Dado este grafo, suponga ahora que la persona tolera máximo 1 trancón. Observe que para moverse del punto u al v, el camino rojo no podría ser una opción, ya que estaría atravesando dos trancones, y la persona no podría tolerarlo.</a:t>
+              <a:rPr lang="es-CO" sz="2200" dirty="0"/>
+              <a:t>Por ejemplo, dado este grafo, suponga que la persona tolera máximo 1 trancón. Observe que para moverse del punto u al v el camino rojo no podría ser una opción ya que estaría atravesando dos trancones y la persona no podría tolerarlo.</a:t>
             </a:r>
-            <a:endParaRPr lang="es-CO" sz="2000" b="1" dirty="0"/>
+            <a:endParaRPr lang="es-CO" sz="2200" b="1" dirty="0"/>
           </a:p>
         </p:txBody>
       </p:sp>
@@ -11204,14 +9400,14 @@
           </p:cNvPr>
           <p:cNvCxnSpPr>
             <a:cxnSpLocks/>
-            <a:stCxn id="11" idx="1"/>
+            <a:stCxn id="43" idx="3"/>
           </p:cNvCxnSpPr>
           <p:nvPr/>
         </p:nvCxnSpPr>
         <p:spPr>
           <a:xfrm flipH="1">
-            <a:off x="7836394" y="1697617"/>
-            <a:ext cx="1447047" cy="773913"/>
+            <a:off x="7836395" y="1721117"/>
+            <a:ext cx="1402186" cy="750413"/>
           </a:xfrm>
           <a:prstGeom prst="line">
             <a:avLst/>
@@ -11454,8 +9650,8 @@
         </p:nvCxnSpPr>
         <p:spPr>
           <a:xfrm>
-            <a:off x="9423132" y="1838277"/>
-            <a:ext cx="974" cy="1358810"/>
+            <a:off x="9384201" y="1789043"/>
+            <a:ext cx="12699" cy="1408044"/>
           </a:xfrm>
           <a:prstGeom prst="line">
             <a:avLst/>
@@ -11490,7 +9686,7 @@
         </p:nvSpPr>
         <p:spPr>
           <a:xfrm>
-            <a:off x="9178941" y="3197087"/>
+            <a:off x="9151735" y="3197087"/>
             <a:ext cx="490329" cy="463826"/>
           </a:xfrm>
           <a:prstGeom prst="flowChartConnector">
@@ -11542,7 +9738,7 @@
         <p:spPr>
           <a:xfrm flipH="1">
             <a:off x="9390090" y="3660913"/>
-            <a:ext cx="34016" cy="1523521"/>
+            <a:ext cx="6810" cy="1523521"/>
           </a:xfrm>
           <a:prstGeom prst="line">
             <a:avLst/>
@@ -11577,7 +9773,7 @@
         </p:nvSpPr>
         <p:spPr>
           <a:xfrm>
-            <a:off x="8188765" y="2663124"/>
+            <a:off x="8123208" y="2399365"/>
             <a:ext cx="1447046" cy="338554"/>
           </a:xfrm>
           <a:prstGeom prst="rect">
@@ -11646,7 +9842,7 @@
 </p:sld>
 </file>
 
-<file path=ppt/slides/slide5.xml><?xml version="1.0" encoding="utf-8"?>
+<file path=ppt/slides/slide4.xml><?xml version="1.0" encoding="utf-8"?>
 <p:sld xmlns:a="http://schemas.openxmlformats.org/drawingml/2006/main" xmlns:r="http://schemas.openxmlformats.org/officeDocument/2006/relationships" xmlns:p="http://schemas.openxmlformats.org/presentationml/2006/main">
   <p:cSld>
     <p:spTree>
@@ -11677,10 +9873,10 @@
         </p:nvGrpSpPr>
         <p:grpSpPr>
           <a:xfrm>
-            <a:off x="7579693" y="1325217"/>
-            <a:ext cx="3611220" cy="1610139"/>
-            <a:chOff x="8024193" y="1325217"/>
-            <a:chExt cx="3611220" cy="1610139"/>
+            <a:off x="7579693" y="1337714"/>
+            <a:ext cx="3611220" cy="1597642"/>
+            <a:chOff x="8024193" y="1337714"/>
+            <a:chExt cx="3611220" cy="1597642"/>
           </a:xfrm>
         </p:grpSpPr>
         <p:sp>
@@ -11697,7 +9893,7 @@
           </p:nvSpPr>
           <p:spPr>
             <a:xfrm>
-              <a:off x="9634330" y="1325217"/>
+              <a:off x="9598039" y="1337714"/>
               <a:ext cx="490331" cy="463826"/>
             </a:xfrm>
             <a:prstGeom prst="ellipse">
@@ -11746,7 +9942,7 @@
           </p:nvCxnSpPr>
           <p:spPr>
             <a:xfrm flipH="1">
-              <a:off x="8256104" y="1721117"/>
+              <a:off x="8219813" y="1733614"/>
               <a:ext cx="1450033" cy="743787"/>
             </a:xfrm>
             <a:prstGeom prst="line">
@@ -12040,7 +10236,7 @@
         <p:spPr>
           <a:xfrm>
             <a:off x="9283441" y="1374451"/>
-            <a:ext cx="256906" cy="646331"/>
+            <a:ext cx="235102" cy="646331"/>
           </a:xfrm>
           <a:prstGeom prst="rect">
             <a:avLst/>
@@ -12325,8 +10521,8 @@
         </p:nvSpPr>
         <p:spPr>
           <a:xfrm>
-            <a:off x="10861289" y="3194251"/>
-            <a:ext cx="1493030" cy="369332"/>
+            <a:off x="10945747" y="3197087"/>
+            <a:ext cx="1305535" cy="646331"/>
           </a:xfrm>
           <a:prstGeom prst="rect">
             <a:avLst/>
@@ -12360,8 +10556,8 @@
         </p:nvSpPr>
         <p:spPr>
           <a:xfrm>
-            <a:off x="2178003" y="2020782"/>
-            <a:ext cx="4399358" cy="1631216"/>
+            <a:off x="2287451" y="2468843"/>
+            <a:ext cx="4399358" cy="1785104"/>
           </a:xfrm>
           <a:prstGeom prst="rect">
             <a:avLst/>
@@ -12374,11 +10570,12 @@
           </a:bodyPr>
           <a:lstStyle/>
           <a:p>
+            <a:pPr algn="just"/>
             <a:r>
-              <a:rPr lang="es-CO" sz="2000" dirty="0"/>
+              <a:rPr lang="es-CO" sz="2200" dirty="0"/>
               <a:t>En cambio, el camino azul podría ser una posibilidad para moverse del punto u al v, ya que la persona solo estaría tolerando un trancón.</a:t>
             </a:r>
-            <a:endParaRPr lang="es-CO" sz="2000" b="1" dirty="0"/>
+            <a:endParaRPr lang="es-CO" sz="2200" b="1" dirty="0"/>
           </a:p>
         </p:txBody>
       </p:sp>
@@ -12399,8 +10596,8 @@
         </p:nvCxnSpPr>
         <p:spPr>
           <a:xfrm flipH="1">
-            <a:off x="9398706" y="1812040"/>
-            <a:ext cx="20568" cy="1385047"/>
+            <a:off x="9398706" y="1801540"/>
+            <a:ext cx="8392" cy="1395547"/>
           </a:xfrm>
           <a:prstGeom prst="line">
             <a:avLst/>
@@ -12437,13 +10634,14 @@
           </p:cNvPr>
           <p:cNvCxnSpPr>
             <a:cxnSpLocks/>
+            <a:stCxn id="43" idx="5"/>
           </p:cNvCxnSpPr>
           <p:nvPr/>
         </p:nvCxnSpPr>
         <p:spPr>
           <a:xfrm>
-            <a:off x="9570254" y="1721117"/>
-            <a:ext cx="1164035" cy="718950"/>
+            <a:off x="9572063" y="1733614"/>
+            <a:ext cx="1162226" cy="706453"/>
           </a:xfrm>
           <a:prstGeom prst="line">
             <a:avLst/>
@@ -12641,7 +10839,7 @@
         </p:nvSpPr>
         <p:spPr>
           <a:xfrm>
-            <a:off x="8193516" y="2763799"/>
+            <a:off x="8159743" y="2302253"/>
             <a:ext cx="1447046" cy="338554"/>
           </a:xfrm>
           <a:prstGeom prst="rect">
@@ -12708,14 +10906,15 @@
           </p:cNvPr>
           <p:cNvCxnSpPr>
             <a:cxnSpLocks/>
+            <a:stCxn id="23" idx="4"/>
             <a:endCxn id="12" idx="0"/>
           </p:cNvCxnSpPr>
           <p:nvPr/>
         </p:nvCxnSpPr>
         <p:spPr>
           <a:xfrm flipH="1">
-            <a:off x="9390090" y="3691227"/>
-            <a:ext cx="17008" cy="1493207"/>
+            <a:off x="9390090" y="3660913"/>
+            <a:ext cx="8616" cy="1523521"/>
           </a:xfrm>
           <a:prstGeom prst="line">
             <a:avLst/>
